--- a/Presentations/HTML Class 02.pptx
+++ b/Presentations/HTML Class 02.pptx
@@ -2,19 +2,20 @@
 <file path=ppt/presentation.xml><?xml version="1.0" encoding="utf-8"?>
 <p:presentation xmlns:a="http://schemas.openxmlformats.org/drawingml/2006/main" xmlns:r="http://schemas.openxmlformats.org/officeDocument/2006/relationships" xmlns:p="http://schemas.openxmlformats.org/presentationml/2006/main" removePersonalInfoOnSave="1" autoCompressPictures="0">
   <p:sldMasterIdLst>
-    <p:sldMasterId id="2147483868" r:id="rId4"/>
+    <p:sldMasterId id="2147483775" r:id="rId4"/>
   </p:sldMasterIdLst>
   <p:notesMasterIdLst>
-    <p:notesMasterId r:id="rId12"/>
+    <p:notesMasterId r:id="rId13"/>
   </p:notesMasterIdLst>
   <p:sldIdLst>
     <p:sldId id="256" r:id="rId5"/>
     <p:sldId id="257" r:id="rId6"/>
-    <p:sldId id="266" r:id="rId7"/>
-    <p:sldId id="262" r:id="rId8"/>
-    <p:sldId id="263" r:id="rId9"/>
-    <p:sldId id="265" r:id="rId10"/>
-    <p:sldId id="264" r:id="rId11"/>
+    <p:sldId id="258" r:id="rId7"/>
+    <p:sldId id="259" r:id="rId8"/>
+    <p:sldId id="260" r:id="rId9"/>
+    <p:sldId id="261" r:id="rId10"/>
+    <p:sldId id="262" r:id="rId11"/>
+    <p:sldId id="263" r:id="rId12"/>
   </p:sldIdLst>
   <p:sldSz cx="12192000" cy="6858000"/>
   <p:notesSz cx="6858000" cy="9144000"/>
@@ -203,7 +204,7 @@
           <a:p>
             <a:fld id="{EDE0A0D5-8F98-4CC1-A28E-021F0B6B475C}" type="datetimeFigureOut">
               <a:rPr lang="en-US" smtClean="0"/>
-              <a:t>11/28/2022</a:t>
+              <a:t>11/29/2022</a:t>
             </a:fld>
             <a:endParaRPr lang="en-US" dirty="0"/>
           </a:p>
@@ -658,7 +659,7 @@
           <a:p>
             <a:fld id="{3A750590-9F9A-443B-9295-A3931D8194B1}" type="datetime1">
               <a:rPr lang="en-US" smtClean="0"/>
-              <a:t>11/28/2022</a:t>
+              <a:t>11/29/2022</a:t>
             </a:fld>
             <a:endParaRPr lang="en-US" dirty="0"/>
           </a:p>
@@ -796,7 +797,7 @@
     </p:spTree>
     <p:extLst>
       <p:ext uri="{BB962C8B-B14F-4D97-AF65-F5344CB8AC3E}">
-        <p14:creationId xmlns:p14="http://schemas.microsoft.com/office/powerpoint/2010/main" val="3343962106"/>
+        <p14:creationId xmlns:p14="http://schemas.microsoft.com/office/powerpoint/2010/main" val="1876186294"/>
       </p:ext>
     </p:extLst>
   </p:cSld>
@@ -996,7 +997,7 @@
           <a:p>
             <a:fld id="{D9359126-4846-4E88-BDD9-5585CC877E47}" type="datetime1">
               <a:rPr lang="en-US" smtClean="0"/>
-              <a:t>11/28/2022</a:t>
+              <a:t>11/29/2022</a:t>
             </a:fld>
             <a:endParaRPr lang="en-US" dirty="0"/>
           </a:p>
@@ -1135,7 +1136,7 @@
     </p:spTree>
     <p:extLst>
       <p:ext uri="{BB962C8B-B14F-4D97-AF65-F5344CB8AC3E}">
-        <p14:creationId xmlns:p14="http://schemas.microsoft.com/office/powerpoint/2010/main" val="740013840"/>
+        <p14:creationId xmlns:p14="http://schemas.microsoft.com/office/powerpoint/2010/main" val="367439413"/>
       </p:ext>
     </p:extLst>
   </p:cSld>
@@ -1399,7 +1400,7 @@
           <a:p>
             <a:fld id="{D9359126-4846-4E88-BDD9-5585CC877E47}" type="datetime1">
               <a:rPr lang="en-US" smtClean="0"/>
-              <a:t>11/28/2022</a:t>
+              <a:t>11/29/2022</a:t>
             </a:fld>
             <a:endParaRPr lang="en-US" dirty="0"/>
           </a:p>
@@ -1614,7 +1615,7 @@
     </p:spTree>
     <p:extLst>
       <p:ext uri="{BB962C8B-B14F-4D97-AF65-F5344CB8AC3E}">
-        <p14:creationId xmlns:p14="http://schemas.microsoft.com/office/powerpoint/2010/main" val="3222866538"/>
+        <p14:creationId xmlns:p14="http://schemas.microsoft.com/office/powerpoint/2010/main" val="4145445623"/>
       </p:ext>
     </p:extLst>
   </p:cSld>
@@ -1737,7 +1738,7 @@
           <a:p>
             <a:fld id="{D9359126-4846-4E88-BDD9-5585CC877E47}" type="datetime1">
               <a:rPr lang="en-US" smtClean="0"/>
-              <a:t>11/28/2022</a:t>
+              <a:t>11/29/2022</a:t>
             </a:fld>
             <a:endParaRPr lang="en-US" dirty="0"/>
           </a:p>
@@ -1876,7 +1877,7 @@
     </p:spTree>
     <p:extLst>
       <p:ext uri="{BB962C8B-B14F-4D97-AF65-F5344CB8AC3E}">
-        <p14:creationId xmlns:p14="http://schemas.microsoft.com/office/powerpoint/2010/main" val="2159912521"/>
+        <p14:creationId xmlns:p14="http://schemas.microsoft.com/office/powerpoint/2010/main" val="1394091530"/>
       </p:ext>
     </p:extLst>
   </p:cSld>
@@ -2059,7 +2060,7 @@
           <a:p>
             <a:fld id="{D9359126-4846-4E88-BDD9-5585CC877E47}" type="datetime1">
               <a:rPr lang="en-US" smtClean="0"/>
-              <a:t>11/28/2022</a:t>
+              <a:t>11/29/2022</a:t>
             </a:fld>
             <a:endParaRPr lang="en-US" dirty="0"/>
           </a:p>
@@ -2274,7 +2275,7 @@
     </p:spTree>
     <p:extLst>
       <p:ext uri="{BB962C8B-B14F-4D97-AF65-F5344CB8AC3E}">
-        <p14:creationId xmlns:p14="http://schemas.microsoft.com/office/powerpoint/2010/main" val="684784075"/>
+        <p14:creationId xmlns:p14="http://schemas.microsoft.com/office/powerpoint/2010/main" val="1977929480"/>
       </p:ext>
     </p:extLst>
   </p:cSld>
@@ -2457,7 +2458,7 @@
           <a:p>
             <a:fld id="{D9359126-4846-4E88-BDD9-5585CC877E47}" type="datetime1">
               <a:rPr lang="en-US" smtClean="0"/>
-              <a:t>11/28/2022</a:t>
+              <a:t>11/29/2022</a:t>
             </a:fld>
             <a:endParaRPr lang="en-US" dirty="0"/>
           </a:p>
@@ -2596,7 +2597,7 @@
     </p:spTree>
     <p:extLst>
       <p:ext uri="{BB962C8B-B14F-4D97-AF65-F5344CB8AC3E}">
-        <p14:creationId xmlns:p14="http://schemas.microsoft.com/office/powerpoint/2010/main" val="2642438265"/>
+        <p14:creationId xmlns:p14="http://schemas.microsoft.com/office/powerpoint/2010/main" val="591248424"/>
       </p:ext>
     </p:extLst>
   </p:cSld>
@@ -2716,7 +2717,7 @@
           <a:p>
             <a:fld id="{1F96F347-1B2F-4097-AEB5-4A26FB45D67A}" type="datetime1">
               <a:rPr lang="en-US" smtClean="0"/>
-              <a:t>11/28/2022</a:t>
+              <a:t>11/29/2022</a:t>
             </a:fld>
             <a:endParaRPr lang="en-US" dirty="0"/>
           </a:p>
@@ -2849,7 +2850,7 @@
     </p:spTree>
     <p:extLst>
       <p:ext uri="{BB962C8B-B14F-4D97-AF65-F5344CB8AC3E}">
-        <p14:creationId xmlns:p14="http://schemas.microsoft.com/office/powerpoint/2010/main" val="4159358917"/>
+        <p14:creationId xmlns:p14="http://schemas.microsoft.com/office/powerpoint/2010/main" val="2492660252"/>
       </p:ext>
     </p:extLst>
   </p:cSld>
@@ -2978,7 +2979,7 @@
           <a:p>
             <a:fld id="{8CC1DEE0-34E5-4E0F-BEC1-4B8835F82CD1}" type="datetime1">
               <a:rPr lang="en-US" smtClean="0"/>
-              <a:t>11/28/2022</a:t>
+              <a:t>11/29/2022</a:t>
             </a:fld>
             <a:endParaRPr lang="en-US" dirty="0"/>
           </a:p>
@@ -3111,7 +3112,7 @@
     </p:spTree>
     <p:extLst>
       <p:ext uri="{BB962C8B-B14F-4D97-AF65-F5344CB8AC3E}">
-        <p14:creationId xmlns:p14="http://schemas.microsoft.com/office/powerpoint/2010/main" val="411848968"/>
+        <p14:creationId xmlns:p14="http://schemas.microsoft.com/office/powerpoint/2010/main" val="3945063558"/>
       </p:ext>
     </p:extLst>
   </p:cSld>
@@ -3240,7 +3241,7 @@
           <a:p>
             <a:fld id="{3B75B4BE-627A-4EC1-99E1-6F1AA97AB802}" type="datetime1">
               <a:rPr lang="en-US" smtClean="0"/>
-              <a:t>11/28/2022</a:t>
+              <a:t>11/29/2022</a:t>
             </a:fld>
             <a:endParaRPr lang="en-US" dirty="0"/>
           </a:p>
@@ -3373,7 +3374,7 @@
     </p:spTree>
     <p:extLst>
       <p:ext uri="{BB962C8B-B14F-4D97-AF65-F5344CB8AC3E}">
-        <p14:creationId xmlns:p14="http://schemas.microsoft.com/office/powerpoint/2010/main" val="2605408351"/>
+        <p14:creationId xmlns:p14="http://schemas.microsoft.com/office/powerpoint/2010/main" val="850831079"/>
       </p:ext>
     </p:extLst>
   </p:cSld>
@@ -3569,7 +3570,7 @@
           <a:p>
             <a:fld id="{78BFACF8-E63D-4673-A128-83547867BB7A}" type="datetime1">
               <a:rPr lang="en-US" smtClean="0"/>
-              <a:t>11/28/2022</a:t>
+              <a:t>11/29/2022</a:t>
             </a:fld>
             <a:endParaRPr lang="en-US" dirty="0"/>
           </a:p>
@@ -3707,7 +3708,7 @@
     </p:spTree>
     <p:extLst>
       <p:ext uri="{BB962C8B-B14F-4D97-AF65-F5344CB8AC3E}">
-        <p14:creationId xmlns:p14="http://schemas.microsoft.com/office/powerpoint/2010/main" val="588519421"/>
+        <p14:creationId xmlns:p14="http://schemas.microsoft.com/office/powerpoint/2010/main" val="1200619040"/>
       </p:ext>
     </p:extLst>
   </p:cSld>
@@ -3892,7 +3893,7 @@
           <a:p>
             <a:fld id="{15BED6AC-4FBA-40BD-BE75-20DB64DA4BAD}" type="datetime1">
               <a:rPr lang="en-US" smtClean="0"/>
-              <a:t>11/28/2022</a:t>
+              <a:t>11/29/2022</a:t>
             </a:fld>
             <a:endParaRPr lang="en-US" dirty="0"/>
           </a:p>
@@ -4030,7 +4031,7 @@
     </p:spTree>
     <p:extLst>
       <p:ext uri="{BB962C8B-B14F-4D97-AF65-F5344CB8AC3E}">
-        <p14:creationId xmlns:p14="http://schemas.microsoft.com/office/powerpoint/2010/main" val="2683452201"/>
+        <p14:creationId xmlns:p14="http://schemas.microsoft.com/office/powerpoint/2010/main" val="3434264705"/>
       </p:ext>
     </p:extLst>
   </p:cSld>
@@ -4349,7 +4350,7 @@
           <a:p>
             <a:fld id="{3F933C87-D201-458A-93C0-8EDD9AC92D93}" type="datetime1">
               <a:rPr lang="en-US" smtClean="0"/>
-              <a:t>11/28/2022</a:t>
+              <a:t>11/29/2022</a:t>
             </a:fld>
             <a:endParaRPr lang="en-US" dirty="0"/>
           </a:p>
@@ -4487,7 +4488,7 @@
     </p:spTree>
     <p:extLst>
       <p:ext uri="{BB962C8B-B14F-4D97-AF65-F5344CB8AC3E}">
-        <p14:creationId xmlns:p14="http://schemas.microsoft.com/office/powerpoint/2010/main" val="1105228410"/>
+        <p14:creationId xmlns:p14="http://schemas.microsoft.com/office/powerpoint/2010/main" val="4181962029"/>
       </p:ext>
     </p:extLst>
   </p:cSld>
@@ -4554,7 +4555,7 @@
           <a:p>
             <a:fld id="{76CE6829-5A25-485A-91B1-5D6D58BB9F23}" type="datetime1">
               <a:rPr lang="en-US" smtClean="0"/>
-              <a:t>11/28/2022</a:t>
+              <a:t>11/29/2022</a:t>
             </a:fld>
             <a:endParaRPr lang="en-US" dirty="0"/>
           </a:p>
@@ -4687,7 +4688,7 @@
     </p:spTree>
     <p:extLst>
       <p:ext uri="{BB962C8B-B14F-4D97-AF65-F5344CB8AC3E}">
-        <p14:creationId xmlns:p14="http://schemas.microsoft.com/office/powerpoint/2010/main" val="40902503"/>
+        <p14:creationId xmlns:p14="http://schemas.microsoft.com/office/powerpoint/2010/main" val="93895050"/>
       </p:ext>
     </p:extLst>
   </p:cSld>
@@ -4731,7 +4732,7 @@
           <a:p>
             <a:fld id="{9912F5CD-23D0-4DD1-85B1-71F1825FB3EC}" type="datetime1">
               <a:rPr lang="en-US" smtClean="0"/>
-              <a:t>11/28/2022</a:t>
+              <a:t>11/29/2022</a:t>
             </a:fld>
             <a:endParaRPr lang="en-US" dirty="0"/>
           </a:p>
@@ -4864,7 +4865,7 @@
     </p:spTree>
     <p:extLst>
       <p:ext uri="{BB962C8B-B14F-4D97-AF65-F5344CB8AC3E}">
-        <p14:creationId xmlns:p14="http://schemas.microsoft.com/office/powerpoint/2010/main" val="1707583186"/>
+        <p14:creationId xmlns:p14="http://schemas.microsoft.com/office/powerpoint/2010/main" val="3714983727"/>
       </p:ext>
     </p:extLst>
   </p:cSld>
@@ -5064,7 +5065,7 @@
           <a:p>
             <a:fld id="{38BA5035-C284-496A-B076-BA73A8FA5D8B}" type="datetime1">
               <a:rPr lang="en-US" smtClean="0"/>
-              <a:t>11/28/2022</a:t>
+              <a:t>11/29/2022</a:t>
             </a:fld>
             <a:endParaRPr lang="en-US" dirty="0"/>
           </a:p>
@@ -5197,7 +5198,7 @@
     </p:spTree>
     <p:extLst>
       <p:ext uri="{BB962C8B-B14F-4D97-AF65-F5344CB8AC3E}">
-        <p14:creationId xmlns:p14="http://schemas.microsoft.com/office/powerpoint/2010/main" val="4212985421"/>
+        <p14:creationId xmlns:p14="http://schemas.microsoft.com/office/powerpoint/2010/main" val="793203949"/>
       </p:ext>
     </p:extLst>
   </p:cSld>
@@ -5409,7 +5410,7 @@
           <a:p>
             <a:fld id="{B40EB420-1875-490A-8C4B-7AAB939FBE08}" type="datetime1">
               <a:rPr lang="en-US" smtClean="0"/>
-              <a:t>11/28/2022</a:t>
+              <a:t>11/29/2022</a:t>
             </a:fld>
             <a:endParaRPr lang="en-US" dirty="0"/>
           </a:p>
@@ -5547,7 +5548,7 @@
     </p:spTree>
     <p:extLst>
       <p:ext uri="{BB962C8B-B14F-4D97-AF65-F5344CB8AC3E}">
-        <p14:creationId xmlns:p14="http://schemas.microsoft.com/office/powerpoint/2010/main" val="1828523434"/>
+        <p14:creationId xmlns:p14="http://schemas.microsoft.com/office/powerpoint/2010/main" val="4225568605"/>
       </p:ext>
     </p:extLst>
   </p:cSld>
@@ -7526,7 +7527,7 @@
           <a:p>
             <a:fld id="{D9359126-4846-4E88-BDD9-5585CC877E47}" type="datetime1">
               <a:rPr lang="en-US" smtClean="0"/>
-              <a:t>11/28/2022</a:t>
+              <a:t>11/29/2022</a:t>
             </a:fld>
             <a:endParaRPr lang="en-US" dirty="0"/>
           </a:p>
@@ -7612,28 +7613,28 @@
     </p:spTree>
     <p:extLst>
       <p:ext uri="{BB962C8B-B14F-4D97-AF65-F5344CB8AC3E}">
-        <p14:creationId xmlns:p14="http://schemas.microsoft.com/office/powerpoint/2010/main" val="853550366"/>
+        <p14:creationId xmlns:p14="http://schemas.microsoft.com/office/powerpoint/2010/main" val="2062659049"/>
       </p:ext>
     </p:extLst>
   </p:cSld>
   <p:clrMap bg1="lt1" tx1="dk1" bg2="lt2" tx2="dk2" accent1="accent1" accent2="accent2" accent3="accent3" accent4="accent4" accent5="accent5" accent6="accent6" hlink="hlink" folHlink="folHlink"/>
   <p:sldLayoutIdLst>
-    <p:sldLayoutId id="2147483869" r:id="rId1"/>
-    <p:sldLayoutId id="2147483870" r:id="rId2"/>
-    <p:sldLayoutId id="2147483871" r:id="rId3"/>
-    <p:sldLayoutId id="2147483872" r:id="rId4"/>
-    <p:sldLayoutId id="2147483873" r:id="rId5"/>
-    <p:sldLayoutId id="2147483874" r:id="rId6"/>
-    <p:sldLayoutId id="2147483875" r:id="rId7"/>
-    <p:sldLayoutId id="2147483876" r:id="rId8"/>
-    <p:sldLayoutId id="2147483877" r:id="rId9"/>
-    <p:sldLayoutId id="2147483878" r:id="rId10"/>
-    <p:sldLayoutId id="2147483879" r:id="rId11"/>
-    <p:sldLayoutId id="2147483880" r:id="rId12"/>
-    <p:sldLayoutId id="2147483881" r:id="rId13"/>
-    <p:sldLayoutId id="2147483882" r:id="rId14"/>
-    <p:sldLayoutId id="2147483883" r:id="rId15"/>
-    <p:sldLayoutId id="2147483884" r:id="rId16"/>
+    <p:sldLayoutId id="2147483776" r:id="rId1"/>
+    <p:sldLayoutId id="2147483777" r:id="rId2"/>
+    <p:sldLayoutId id="2147483778" r:id="rId3"/>
+    <p:sldLayoutId id="2147483779" r:id="rId4"/>
+    <p:sldLayoutId id="2147483780" r:id="rId5"/>
+    <p:sldLayoutId id="2147483781" r:id="rId6"/>
+    <p:sldLayoutId id="2147483782" r:id="rId7"/>
+    <p:sldLayoutId id="2147483783" r:id="rId8"/>
+    <p:sldLayoutId id="2147483784" r:id="rId9"/>
+    <p:sldLayoutId id="2147483785" r:id="rId10"/>
+    <p:sldLayoutId id="2147483786" r:id="rId11"/>
+    <p:sldLayoutId id="2147483787" r:id="rId12"/>
+    <p:sldLayoutId id="2147483788" r:id="rId13"/>
+    <p:sldLayoutId id="2147483789" r:id="rId14"/>
+    <p:sldLayoutId id="2147483790" r:id="rId15"/>
+    <p:sldLayoutId id="2147483791" r:id="rId16"/>
   </p:sldLayoutIdLst>
   <p:hf sldNum="0" hdr="0" ftr="0" dt="0"/>
   <p:txStyles>
@@ -8069,7 +8070,7 @@
         <p:spPr>
           <a:xfrm>
             <a:off x="3084482" y="182279"/>
-            <a:ext cx="7986792" cy="5222117"/>
+            <a:ext cx="7691370" cy="5222117"/>
           </a:xfrm>
         </p:spPr>
         <p:txBody>
@@ -8127,9 +8128,7 @@
             <a:r>
               <a:rPr lang="en-US" sz="3200" b="1" dirty="0">
                 <a:solidFill>
-                  <a:schemeClr val="accent2">
-                    <a:lumMod val="75000"/>
-                  </a:schemeClr>
+                  <a:schemeClr val="tx1"/>
                 </a:solidFill>
                 <a:latin typeface="Times New Roman" panose="02020603050405020304" pitchFamily="18" charset="0"/>
                 <a:cs typeface="Times New Roman" panose="02020603050405020304" pitchFamily="18" charset="0"/>
@@ -8139,11 +8138,9 @@
           </a:p>
           <a:p>
             <a:r>
-              <a:rPr lang="en-US" sz="3200" b="1" dirty="0">
-                <a:solidFill>
-                  <a:schemeClr val="accent2">
-                    <a:lumMod val="75000"/>
-                  </a:schemeClr>
+              <a:rPr lang="en-US" sz="3200" b="1">
+                <a:solidFill>
+                  <a:schemeClr val="tx1"/>
                 </a:solidFill>
                 <a:latin typeface="Times New Roman" panose="02020603050405020304" pitchFamily="18" charset="0"/>
                 <a:cs typeface="Times New Roman" panose="02020603050405020304" pitchFamily="18" charset="0"/>
@@ -8152,9 +8149,7 @@
             </a:r>
             <a:endParaRPr lang="en-US" sz="3200" dirty="0">
               <a:solidFill>
-                <a:schemeClr val="accent2">
-                  <a:lumMod val="75000"/>
-                </a:schemeClr>
+                <a:schemeClr val="tx1"/>
               </a:solidFill>
               <a:latin typeface="Times New Roman" panose="02020603050405020304" pitchFamily="18" charset="0"/>
               <a:cs typeface="Times New Roman" panose="02020603050405020304" pitchFamily="18" charset="0"/>
@@ -8164,9 +8159,7 @@
             <a:r>
               <a:rPr lang="en-US" sz="2800" dirty="0">
                 <a:solidFill>
-                  <a:schemeClr val="accent2">
-                    <a:lumMod val="75000"/>
-                  </a:schemeClr>
+                  <a:schemeClr val="tx1"/>
                 </a:solidFill>
                 <a:latin typeface="Times New Roman" panose="02020603050405020304" pitchFamily="18" charset="0"/>
                 <a:cs typeface="Times New Roman" panose="02020603050405020304" pitchFamily="18" charset="0"/>
@@ -8240,7 +8233,7 @@
           <a:lstStyle/>
           <a:p>
             <a:r>
-              <a:rPr lang="en-US" sz="4400" b="1" dirty="0"/>
+              <a:rPr lang="en-US" sz="4000" b="1" dirty="0"/>
               <a:t>Basic Concepts</a:t>
             </a:r>
           </a:p>
@@ -8264,192 +8257,105 @@
         </p:nvSpPr>
         <p:spPr>
           <a:xfrm>
-            <a:off x="2830353" y="2095012"/>
-            <a:ext cx="9050728" cy="4529545"/>
+            <a:off x="2830353" y="1971732"/>
+            <a:ext cx="9104990" cy="3589785"/>
           </a:xfrm>
         </p:spPr>
         <p:txBody>
           <a:bodyPr>
-            <a:normAutofit/>
+            <a:noAutofit/>
           </a:bodyPr>
           <a:lstStyle/>
-          <a:p>
-            <a:pPr>
-              <a:buFont typeface="Wingdings" panose="05000000000000000000" pitchFamily="2" charset="2"/>
-              <a:buChar char="v"/>
-            </a:pPr>
-            <a:r>
-              <a:rPr lang="en-US" sz="2800" dirty="0">
-                <a:solidFill>
-                  <a:schemeClr val="accent1">
-                    <a:lumMod val="50000"/>
-                  </a:schemeClr>
-                </a:solidFill>
-                <a:latin typeface="Arial" panose="020B0604020202020204" pitchFamily="34" charset="0"/>
-                <a:cs typeface="Arial" panose="020B0604020202020204" pitchFamily="34" charset="0"/>
-              </a:rPr>
-              <a:t>All HTML elements can have </a:t>
-            </a:r>
-            <a:r>
-              <a:rPr lang="en-US" sz="2800" b="1" dirty="0">
-                <a:solidFill>
-                  <a:schemeClr val="accent1">
-                    <a:lumMod val="50000"/>
-                  </a:schemeClr>
-                </a:solidFill>
-                <a:latin typeface="Arial" panose="020B0604020202020204" pitchFamily="34" charset="0"/>
-                <a:cs typeface="Arial" panose="020B0604020202020204" pitchFamily="34" charset="0"/>
-              </a:rPr>
-              <a:t>attributes</a:t>
-            </a:r>
-            <a:endParaRPr lang="en-US" sz="2800" dirty="0">
-              <a:solidFill>
-                <a:schemeClr val="accent1">
-                  <a:lumMod val="50000"/>
-                </a:schemeClr>
-              </a:solidFill>
-              <a:latin typeface="Arial" panose="020B0604020202020204" pitchFamily="34" charset="0"/>
-              <a:cs typeface="Arial" panose="020B0604020202020204" pitchFamily="34" charset="0"/>
-            </a:endParaRPr>
-          </a:p>
-          <a:p>
-            <a:pPr fontAlgn="ctr">
-              <a:buFont typeface="Wingdings" panose="05000000000000000000" pitchFamily="2" charset="2"/>
-              <a:buChar char="v"/>
-            </a:pPr>
-            <a:r>
-              <a:rPr lang="en-US" sz="2800" dirty="0">
-                <a:solidFill>
-                  <a:schemeClr val="accent1">
-                    <a:lumMod val="50000"/>
-                  </a:schemeClr>
-                </a:solidFill>
-                <a:latin typeface="Arial" panose="020B0604020202020204" pitchFamily="34" charset="0"/>
-                <a:cs typeface="Arial" panose="020B0604020202020204" pitchFamily="34" charset="0"/>
-              </a:rPr>
-              <a:t>Attributes provide </a:t>
-            </a:r>
-            <a:r>
-              <a:rPr lang="en-US" sz="2800" b="1" dirty="0">
-                <a:solidFill>
-                  <a:schemeClr val="accent1">
-                    <a:lumMod val="50000"/>
-                  </a:schemeClr>
-                </a:solidFill>
-                <a:latin typeface="Arial" panose="020B0604020202020204" pitchFamily="34" charset="0"/>
-                <a:cs typeface="Arial" panose="020B0604020202020204" pitchFamily="34" charset="0"/>
-              </a:rPr>
-              <a:t>additional information</a:t>
-            </a:r>
-            <a:r>
-              <a:rPr lang="en-US" sz="2800" dirty="0">
-                <a:solidFill>
-                  <a:schemeClr val="accent1">
-                    <a:lumMod val="50000"/>
-                  </a:schemeClr>
-                </a:solidFill>
-                <a:latin typeface="Arial" panose="020B0604020202020204" pitchFamily="34" charset="0"/>
-                <a:cs typeface="Arial" panose="020B0604020202020204" pitchFamily="34" charset="0"/>
-              </a:rPr>
-              <a:t> about elements</a:t>
-            </a:r>
-          </a:p>
-          <a:p>
-            <a:pPr fontAlgn="ctr">
-              <a:buFont typeface="Wingdings" panose="05000000000000000000" pitchFamily="2" charset="2"/>
-              <a:buChar char="v"/>
-            </a:pPr>
-            <a:r>
-              <a:rPr lang="en-US" sz="2800" dirty="0">
-                <a:solidFill>
-                  <a:schemeClr val="accent1">
-                    <a:lumMod val="50000"/>
-                  </a:schemeClr>
-                </a:solidFill>
-                <a:latin typeface="Arial" panose="020B0604020202020204" pitchFamily="34" charset="0"/>
-                <a:cs typeface="Arial" panose="020B0604020202020204" pitchFamily="34" charset="0"/>
-              </a:rPr>
-              <a:t>Attributes are always specified in </a:t>
-            </a:r>
-            <a:r>
-              <a:rPr lang="en-US" sz="2800" b="1" dirty="0">
-                <a:solidFill>
-                  <a:schemeClr val="accent1">
-                    <a:lumMod val="50000"/>
-                  </a:schemeClr>
-                </a:solidFill>
-                <a:latin typeface="Arial" panose="020B0604020202020204" pitchFamily="34" charset="0"/>
-                <a:cs typeface="Arial" panose="020B0604020202020204" pitchFamily="34" charset="0"/>
-              </a:rPr>
-              <a:t>the start tag</a:t>
-            </a:r>
-          </a:p>
-          <a:p>
-            <a:pPr fontAlgn="ctr">
-              <a:buFont typeface="Wingdings" panose="05000000000000000000" pitchFamily="2" charset="2"/>
-              <a:buChar char="v"/>
-            </a:pPr>
-            <a:r>
-              <a:rPr lang="en-US" sz="2800" dirty="0">
-                <a:solidFill>
-                  <a:schemeClr val="accent1">
-                    <a:lumMod val="50000"/>
-                  </a:schemeClr>
-                </a:solidFill>
-                <a:latin typeface="Arial" panose="020B0604020202020204" pitchFamily="34" charset="0"/>
-                <a:cs typeface="Arial" panose="020B0604020202020204" pitchFamily="34" charset="0"/>
-              </a:rPr>
-              <a:t>Attributes usually come in name/value pairs like:</a:t>
-            </a:r>
-          </a:p>
-          <a:p>
-            <a:pPr>
-              <a:buFont typeface="Wingdings" panose="05000000000000000000" pitchFamily="2" charset="2"/>
-              <a:buChar char="v"/>
-            </a:pPr>
-            <a:r>
-              <a:rPr lang="en-US" sz="2800" dirty="0">
-                <a:solidFill>
-                  <a:schemeClr val="accent1">
-                    <a:lumMod val="50000"/>
-                  </a:schemeClr>
-                </a:solidFill>
-                <a:latin typeface="Arial" panose="020B0604020202020204" pitchFamily="34" charset="0"/>
-                <a:cs typeface="Arial" panose="020B0604020202020204" pitchFamily="34" charset="0"/>
-              </a:rPr>
-              <a:t> </a:t>
-            </a:r>
-            <a:r>
-              <a:rPr lang="en-US" sz="2800" b="1" dirty="0">
-                <a:solidFill>
-                  <a:schemeClr val="accent1">
-                    <a:lumMod val="50000"/>
-                  </a:schemeClr>
-                </a:solidFill>
-                <a:latin typeface="Arial" panose="020B0604020202020204" pitchFamily="34" charset="0"/>
-                <a:cs typeface="Arial" panose="020B0604020202020204" pitchFamily="34" charset="0"/>
-              </a:rPr>
-              <a:t>name="value"</a:t>
-            </a:r>
-            <a:endParaRPr lang="en-US" sz="2800" dirty="0">
-              <a:solidFill>
-                <a:schemeClr val="accent1">
-                  <a:lumMod val="50000"/>
-                </a:schemeClr>
-              </a:solidFill>
-              <a:latin typeface="Arial" panose="020B0604020202020204" pitchFamily="34" charset="0"/>
-              <a:cs typeface="Arial" panose="020B0604020202020204" pitchFamily="34" charset="0"/>
-            </a:endParaRPr>
-          </a:p>
           <a:p>
             <a:pPr>
               <a:lnSpc>
                 <a:spcPct val="100000"/>
               </a:lnSpc>
               <a:buFont typeface="Wingdings" panose="05000000000000000000" pitchFamily="2" charset="2"/>
-              <a:buChar char="v"/>
+              <a:buChar char="Ø"/>
             </a:pPr>
-            <a:endParaRPr lang="en-US" sz="2000" dirty="0"/>
+            <a:r>
+              <a:rPr lang="en-US" sz="2400" dirty="0"/>
+              <a:t>People access websites using software called a </a:t>
+            </a:r>
+            <a:r>
+              <a:rPr lang="en-US" sz="2400" b="1" dirty="0">
+                <a:solidFill>
+                  <a:schemeClr val="accent2">
+                    <a:lumMod val="75000"/>
+                  </a:schemeClr>
+                </a:solidFill>
+              </a:rPr>
+              <a:t>web browser.</a:t>
+            </a:r>
+            <a:r>
+              <a:rPr lang="en-US" sz="2400" dirty="0"/>
+              <a:t> Popular examples include Firefox, Internet Explorer, Safari, Chrome, and. Opera.</a:t>
+            </a:r>
+          </a:p>
+          <a:p>
+            <a:pPr>
+              <a:lnSpc>
+                <a:spcPct val="100000"/>
+              </a:lnSpc>
+              <a:buFont typeface="Wingdings" panose="05000000000000000000" pitchFamily="2" charset="2"/>
+              <a:buChar char="Ø"/>
+            </a:pPr>
+            <a:r>
+              <a:rPr lang="en-US" sz="2400" dirty="0"/>
+              <a:t>When you ask your browser for a web page, the request is sent across the Internet to a special computer known as a </a:t>
+            </a:r>
+            <a:r>
+              <a:rPr lang="en-US" sz="2400" b="1" dirty="0">
+                <a:solidFill>
+                  <a:schemeClr val="accent2">
+                    <a:lumMod val="75000"/>
+                  </a:schemeClr>
+                </a:solidFill>
+              </a:rPr>
+              <a:t>web server </a:t>
+            </a:r>
+            <a:r>
+              <a:rPr lang="en-US" sz="2400" dirty="0"/>
+              <a:t>which hosts the website</a:t>
+            </a:r>
+          </a:p>
+          <a:p>
+            <a:pPr>
+              <a:lnSpc>
+                <a:spcPct val="100000"/>
+              </a:lnSpc>
+              <a:buFont typeface="Wingdings" panose="05000000000000000000" pitchFamily="2" charset="2"/>
+              <a:buChar char="Ø"/>
+            </a:pPr>
+            <a:r>
+              <a:rPr lang="en-US" sz="2400" b="1" dirty="0">
+                <a:solidFill>
+                  <a:schemeClr val="accent2">
+                    <a:lumMod val="75000"/>
+                  </a:schemeClr>
+                </a:solidFill>
+              </a:rPr>
+              <a:t>Front-end web development </a:t>
+            </a:r>
+            <a:r>
+              <a:rPr lang="en-US" sz="2400" dirty="0"/>
+              <a:t>is the development of the graphical user interface of a website, through the use of </a:t>
+            </a:r>
+            <a:r>
+              <a:rPr lang="en-US" sz="2400" b="1" dirty="0">
+                <a:solidFill>
+                  <a:schemeClr val="accent2">
+                    <a:lumMod val="75000"/>
+                  </a:schemeClr>
+                </a:solidFill>
+              </a:rPr>
+              <a:t>HTML, CSS, and JavaScript</a:t>
+            </a:r>
+            <a:r>
+              <a:rPr lang="en-US" sz="2400" dirty="0"/>
+              <a:t>, so that users can view and interact with that website.</a:t>
+            </a:r>
           </a:p>
         </p:txBody>
       </p:sp>
@@ -8485,13 +8391,7 @@
       </p:grpSpPr>
       <p:sp>
         <p:nvSpPr>
-          <p:cNvPr id="2" name="Title 1">
-            <a:extLst>
-              <a:ext uri="{FF2B5EF4-FFF2-40B4-BE49-F238E27FC236}">
-                <a16:creationId xmlns:a16="http://schemas.microsoft.com/office/drawing/2014/main" id="{A389EA88-8D83-4F3F-A4C1-4B16E2377F9E}"/>
-              </a:ext>
-            </a:extLst>
-          </p:cNvPr>
+          <p:cNvPr id="2" name="Title 1"/>
           <p:cNvSpPr>
             <a:spLocks noGrp="1"/>
           </p:cNvSpPr>
@@ -8499,12 +8399,7 @@
             <p:ph type="title"/>
           </p:nvPr>
         </p:nvSpPr>
-        <p:spPr>
-          <a:xfrm>
-            <a:off x="2830353" y="620682"/>
-            <a:ext cx="7434070" cy="1474330"/>
-          </a:xfrm>
-        </p:spPr>
+        <p:spPr/>
         <p:txBody>
           <a:bodyPr>
             <a:normAutofit/>
@@ -8512,410 +8407,97 @@
           <a:lstStyle/>
           <a:p>
             <a:r>
-              <a:rPr lang="en-US" sz="4400" b="1" dirty="0"/>
-              <a:t>Inline vs Block elements</a:t>
-            </a:r>
-          </a:p>
-        </p:txBody>
-      </p:sp>
-      <p:sp>
-        <p:nvSpPr>
-          <p:cNvPr id="6" name="TextBox 5"/>
-          <p:cNvSpPr txBox="1"/>
-          <p:nvPr/>
-        </p:nvSpPr>
-        <p:spPr>
-          <a:xfrm>
-            <a:off x="1672046" y="1781691"/>
-            <a:ext cx="4764961" cy="4919295"/>
-          </a:xfrm>
-          <a:prstGeom prst="rect">
-            <a:avLst/>
-          </a:prstGeom>
-          <a:noFill/>
-        </p:spPr>
-        <p:txBody>
-          <a:bodyPr wrap="square" rtlCol="0">
-            <a:spAutoFit/>
+              <a:rPr lang="en-US" sz="4000" b="1" dirty="0"/>
+              <a:t>HTML Introduction</a:t>
+            </a:r>
+          </a:p>
+        </p:txBody>
+      </p:sp>
+      <p:sp>
+        <p:nvSpPr>
+          <p:cNvPr id="3" name="Content Placeholder 2"/>
+          <p:cNvSpPr>
+            <a:spLocks noGrp="1"/>
+          </p:cNvSpPr>
+          <p:nvPr>
+            <p:ph idx="1"/>
+          </p:nvPr>
+        </p:nvSpPr>
+        <p:spPr/>
+        <p:txBody>
+          <a:bodyPr>
+            <a:noAutofit/>
           </a:bodyPr>
           <a:lstStyle/>
           <a:p>
-            <a:r>
-              <a:rPr lang="en-US" sz="3200" b="1" dirty="0">
-                <a:solidFill>
-                  <a:schemeClr val="accent2">
-                    <a:lumMod val="75000"/>
-                  </a:schemeClr>
-                </a:solidFill>
-                <a:latin typeface="Arial" panose="020B0604020202020204" pitchFamily="34" charset="0"/>
-                <a:cs typeface="Arial" panose="020B0604020202020204" pitchFamily="34" charset="0"/>
-              </a:rPr>
-              <a:t>Inline:</a:t>
-            </a:r>
-          </a:p>
-          <a:p>
-            <a:pPr marL="342900" indent="-342900">
-              <a:spcBef>
-                <a:spcPts val="1000"/>
-              </a:spcBef>
-              <a:buClr>
-                <a:schemeClr val="accent1"/>
-              </a:buClr>
+            <a:pPr fontAlgn="ctr">
               <a:buFont typeface="Wingdings" panose="05000000000000000000" pitchFamily="2" charset="2"/>
-              <a:buChar char="ü"/>
+              <a:buChar char="q"/>
             </a:pPr>
             <a:r>
-              <a:rPr lang="en-US" sz="2600" dirty="0">
-                <a:solidFill>
-                  <a:schemeClr val="accent1">
-                    <a:lumMod val="50000"/>
-                  </a:schemeClr>
-                </a:solidFill>
-                <a:latin typeface="Arial" panose="020B0604020202020204" pitchFamily="34" charset="0"/>
-                <a:cs typeface="Arial" panose="020B0604020202020204" pitchFamily="34" charset="0"/>
-              </a:rPr>
-              <a:t>An inline element does not start on a new line</a:t>
-            </a:r>
-          </a:p>
-          <a:p>
-            <a:pPr marL="342900" indent="-342900">
-              <a:spcBef>
-                <a:spcPts val="1000"/>
-              </a:spcBef>
-              <a:buClr>
-                <a:schemeClr val="accent1"/>
-              </a:buClr>
+              <a:rPr lang="en-US" sz="2400" dirty="0"/>
+              <a:t>HTML stands for Hyper Text Markup Language.</a:t>
+            </a:r>
+          </a:p>
+          <a:p>
+            <a:pPr>
               <a:buFont typeface="Wingdings" panose="05000000000000000000" pitchFamily="2" charset="2"/>
-              <a:buChar char="ü"/>
+              <a:buChar char="q"/>
             </a:pPr>
             <a:r>
-              <a:rPr lang="en-US" sz="2600" dirty="0">
-                <a:solidFill>
-                  <a:schemeClr val="accent1">
-                    <a:lumMod val="50000"/>
-                  </a:schemeClr>
-                </a:solidFill>
-                <a:latin typeface="Arial" panose="020B0604020202020204" pitchFamily="34" charset="0"/>
-                <a:cs typeface="Arial" panose="020B0604020202020204" pitchFamily="34" charset="0"/>
-              </a:rPr>
-              <a:t>An inline element only takes up as much width as necessary.</a:t>
-            </a:r>
-          </a:p>
-          <a:p>
-            <a:pPr marL="342900" indent="-342900">
-              <a:spcBef>
-                <a:spcPts val="1000"/>
-              </a:spcBef>
-              <a:buClr>
-                <a:schemeClr val="accent1"/>
-              </a:buClr>
+              <a:rPr lang="en-US" sz="2400" dirty="0"/>
+              <a:t>HTML is the standard markup language for creating Web pages.</a:t>
+            </a:r>
+          </a:p>
+          <a:p>
+            <a:pPr fontAlgn="ctr">
               <a:buFont typeface="Wingdings" panose="05000000000000000000" pitchFamily="2" charset="2"/>
-              <a:buChar char="ü"/>
+              <a:buChar char="q"/>
             </a:pPr>
             <a:r>
-              <a:rPr lang="en-US" sz="2600" dirty="0">
-                <a:solidFill>
-                  <a:schemeClr val="accent1">
-                    <a:lumMod val="50000"/>
-                  </a:schemeClr>
-                </a:solidFill>
-                <a:latin typeface="Arial" panose="020B0604020202020204" pitchFamily="34" charset="0"/>
-                <a:cs typeface="Arial" panose="020B0604020202020204" pitchFamily="34" charset="0"/>
-              </a:rPr>
-              <a:t>Span</a:t>
-            </a:r>
-          </a:p>
-          <a:p>
-            <a:pPr marL="342900" indent="-342900">
-              <a:spcBef>
-                <a:spcPts val="1000"/>
-              </a:spcBef>
-              <a:buClr>
-                <a:schemeClr val="accent1"/>
-              </a:buClr>
+              <a:rPr lang="en-US" sz="2400" dirty="0"/>
+              <a:t>HTML describes the structure of a Web page</a:t>
+            </a:r>
+          </a:p>
+          <a:p>
+            <a:pPr>
               <a:buFont typeface="Wingdings" panose="05000000000000000000" pitchFamily="2" charset="2"/>
-              <a:buChar char="ü"/>
+              <a:buChar char="q"/>
             </a:pPr>
             <a:r>
-              <a:rPr lang="en-US" sz="2600" dirty="0">
-                <a:solidFill>
-                  <a:schemeClr val="accent1">
-                    <a:lumMod val="50000"/>
-                  </a:schemeClr>
-                </a:solidFill>
-                <a:latin typeface="Arial" panose="020B0604020202020204" pitchFamily="34" charset="0"/>
-                <a:cs typeface="Arial" panose="020B0604020202020204" pitchFamily="34" charset="0"/>
-              </a:rPr>
-              <a:t>I</a:t>
-            </a:r>
-          </a:p>
-          <a:p>
-            <a:pPr marL="342900" indent="-342900">
-              <a:spcBef>
-                <a:spcPts val="1000"/>
-              </a:spcBef>
-              <a:buClr>
-                <a:schemeClr val="accent1"/>
-              </a:buClr>
+              <a:rPr lang="en-US" sz="2400" dirty="0"/>
+              <a:t>HTML consists of a series of elements.</a:t>
+            </a:r>
+          </a:p>
+          <a:p>
+            <a:pPr fontAlgn="ctr">
               <a:buFont typeface="Wingdings" panose="05000000000000000000" pitchFamily="2" charset="2"/>
-              <a:buChar char="ü"/>
+              <a:buChar char="q"/>
             </a:pPr>
             <a:r>
-              <a:rPr lang="en-US" sz="2600" dirty="0">
-                <a:solidFill>
-                  <a:schemeClr val="accent1">
-                    <a:lumMod val="50000"/>
-                  </a:schemeClr>
-                </a:solidFill>
-                <a:latin typeface="Arial" panose="020B0604020202020204" pitchFamily="34" charset="0"/>
-                <a:cs typeface="Arial" panose="020B0604020202020204" pitchFamily="34" charset="0"/>
-              </a:rPr>
-              <a:t>b</a:t>
-            </a:r>
-          </a:p>
-          <a:p>
-            <a:r>
-              <a:rPr lang="en-US" sz="3200" b="1" dirty="0">
-                <a:solidFill>
-                  <a:schemeClr val="accent2">
-                    <a:lumMod val="75000"/>
-                  </a:schemeClr>
-                </a:solidFill>
-                <a:latin typeface="Arial" panose="020B0604020202020204" pitchFamily="34" charset="0"/>
-                <a:cs typeface="Arial" panose="020B0604020202020204" pitchFamily="34" charset="0"/>
-              </a:rPr>
-              <a:t> </a:t>
-            </a:r>
-          </a:p>
-        </p:txBody>
-      </p:sp>
-      <p:sp>
-        <p:nvSpPr>
-          <p:cNvPr id="8" name="TextBox 7"/>
-          <p:cNvSpPr txBox="1"/>
-          <p:nvPr/>
-        </p:nvSpPr>
-        <p:spPr>
-          <a:xfrm>
-            <a:off x="6394837" y="1781691"/>
-            <a:ext cx="5659134" cy="4667945"/>
-          </a:xfrm>
-          <a:prstGeom prst="rect">
-            <a:avLst/>
-          </a:prstGeom>
-          <a:noFill/>
-        </p:spPr>
-        <p:txBody>
-          <a:bodyPr wrap="square" rtlCol="0">
-            <a:spAutoFit/>
-          </a:bodyPr>
-          <a:lstStyle/>
-          <a:p>
-            <a:r>
-              <a:rPr lang="en-US" sz="3200" b="1" dirty="0">
-                <a:solidFill>
-                  <a:schemeClr val="accent2">
-                    <a:lumMod val="75000"/>
-                  </a:schemeClr>
-                </a:solidFill>
-                <a:latin typeface="Arial" panose="020B0604020202020204" pitchFamily="34" charset="0"/>
-                <a:cs typeface="Arial" panose="020B0604020202020204" pitchFamily="34" charset="0"/>
-              </a:rPr>
-              <a:t>Block</a:t>
-            </a:r>
-            <a:r>
-              <a:rPr lang="en-US" b="1" dirty="0">
-                <a:solidFill>
-                  <a:schemeClr val="accent2">
-                    <a:lumMod val="75000"/>
-                  </a:schemeClr>
-                </a:solidFill>
-                <a:latin typeface="Arial" panose="020B0604020202020204" pitchFamily="34" charset="0"/>
-                <a:cs typeface="Arial" panose="020B0604020202020204" pitchFamily="34" charset="0"/>
-              </a:rPr>
-              <a:t> </a:t>
-            </a:r>
-            <a:r>
-              <a:rPr lang="en-US" sz="3200" b="1" dirty="0">
-                <a:solidFill>
-                  <a:schemeClr val="accent2">
-                    <a:lumMod val="75000"/>
-                  </a:schemeClr>
-                </a:solidFill>
-                <a:latin typeface="Arial" panose="020B0604020202020204" pitchFamily="34" charset="0"/>
-                <a:cs typeface="Arial" panose="020B0604020202020204" pitchFamily="34" charset="0"/>
-              </a:rPr>
-              <a:t>Level:</a:t>
-            </a:r>
-          </a:p>
-          <a:p>
-            <a:pPr marL="342900" indent="-342900">
-              <a:spcBef>
-                <a:spcPts val="1000"/>
-              </a:spcBef>
-              <a:buClr>
-                <a:schemeClr val="accent1"/>
-              </a:buClr>
+              <a:rPr lang="en-US" sz="2400" dirty="0"/>
+              <a:t>HTML elements tell the browser how to display the content</a:t>
+            </a:r>
+          </a:p>
+          <a:p>
+            <a:pPr>
               <a:buFont typeface="Wingdings" panose="05000000000000000000" pitchFamily="2" charset="2"/>
-              <a:buChar char="ü"/>
+              <a:buChar char="q"/>
             </a:pPr>
             <a:r>
-              <a:rPr lang="en-US" sz="2000" dirty="0">
-                <a:solidFill>
-                  <a:schemeClr val="accent1">
-                    <a:lumMod val="50000"/>
-                  </a:schemeClr>
-                </a:solidFill>
-                <a:latin typeface="Arial" panose="020B0604020202020204" pitchFamily="34" charset="0"/>
-                <a:cs typeface="Arial" panose="020B0604020202020204" pitchFamily="34" charset="0"/>
-              </a:rPr>
-              <a:t>A block-level element always starts on a new line, and the browsers</a:t>
-            </a:r>
-            <a:br>
-              <a:rPr lang="en-US" sz="2000" dirty="0">
-                <a:solidFill>
-                  <a:schemeClr val="accent1">
-                    <a:lumMod val="50000"/>
-                  </a:schemeClr>
-                </a:solidFill>
-                <a:latin typeface="Arial" panose="020B0604020202020204" pitchFamily="34" charset="0"/>
-                <a:cs typeface="Arial" panose="020B0604020202020204" pitchFamily="34" charset="0"/>
-              </a:rPr>
-            </a:br>
-            <a:r>
-              <a:rPr lang="en-US" sz="2000" dirty="0">
-                <a:solidFill>
-                  <a:schemeClr val="accent1">
-                    <a:lumMod val="50000"/>
-                  </a:schemeClr>
-                </a:solidFill>
-                <a:latin typeface="Arial" panose="020B0604020202020204" pitchFamily="34" charset="0"/>
-                <a:cs typeface="Arial" panose="020B0604020202020204" pitchFamily="34" charset="0"/>
-              </a:rPr>
-              <a:t>automatically add some space (a margin) before and after the element.</a:t>
-            </a:r>
-          </a:p>
-          <a:p>
-            <a:pPr marL="342900" indent="-342900">
-              <a:spcBef>
-                <a:spcPts val="1000"/>
-              </a:spcBef>
-              <a:buClr>
-                <a:schemeClr val="accent1"/>
-              </a:buClr>
-              <a:buFont typeface="Wingdings" panose="05000000000000000000" pitchFamily="2" charset="2"/>
-              <a:buChar char="ü"/>
-            </a:pPr>
-            <a:r>
-              <a:rPr lang="en-US" sz="2000" dirty="0">
-                <a:solidFill>
-                  <a:schemeClr val="accent1">
-                    <a:lumMod val="50000"/>
-                  </a:schemeClr>
-                </a:solidFill>
-                <a:latin typeface="Arial" panose="020B0604020202020204" pitchFamily="34" charset="0"/>
-                <a:cs typeface="Arial" panose="020B0604020202020204" pitchFamily="34" charset="0"/>
-              </a:rPr>
-              <a:t>A block-level element always takes up the full width available</a:t>
-            </a:r>
-            <a:br>
-              <a:rPr lang="en-US" sz="2000" dirty="0">
-                <a:solidFill>
-                  <a:schemeClr val="accent1">
-                    <a:lumMod val="50000"/>
-                  </a:schemeClr>
-                </a:solidFill>
-                <a:latin typeface="Arial" panose="020B0604020202020204" pitchFamily="34" charset="0"/>
-                <a:cs typeface="Arial" panose="020B0604020202020204" pitchFamily="34" charset="0"/>
-              </a:rPr>
-            </a:br>
-            <a:r>
-              <a:rPr lang="en-US" sz="2000" dirty="0">
-                <a:solidFill>
-                  <a:schemeClr val="accent1">
-                    <a:lumMod val="50000"/>
-                  </a:schemeClr>
-                </a:solidFill>
-                <a:latin typeface="Arial" panose="020B0604020202020204" pitchFamily="34" charset="0"/>
-                <a:cs typeface="Arial" panose="020B0604020202020204" pitchFamily="34" charset="0"/>
-              </a:rPr>
-              <a:t>(stretches out to the left and right as far as it can).</a:t>
-            </a:r>
-          </a:p>
-          <a:p>
-            <a:pPr marL="342900" indent="-342900">
-              <a:spcBef>
-                <a:spcPts val="1000"/>
-              </a:spcBef>
-              <a:buClr>
-                <a:schemeClr val="accent1"/>
-              </a:buClr>
-              <a:buFont typeface="Wingdings" panose="05000000000000000000" pitchFamily="2" charset="2"/>
-              <a:buChar char="ü"/>
-            </a:pPr>
-            <a:r>
-              <a:rPr lang="en-US" sz="2000" dirty="0" err="1">
-                <a:solidFill>
-                  <a:schemeClr val="accent1">
-                    <a:lumMod val="50000"/>
-                  </a:schemeClr>
-                </a:solidFill>
-                <a:latin typeface="Arial" panose="020B0604020202020204" pitchFamily="34" charset="0"/>
-                <a:cs typeface="Arial" panose="020B0604020202020204" pitchFamily="34" charset="0"/>
-              </a:rPr>
-              <a:t>Div</a:t>
-            </a:r>
-            <a:endParaRPr lang="en-US" sz="2000" dirty="0">
-              <a:solidFill>
-                <a:schemeClr val="accent1">
-                  <a:lumMod val="50000"/>
-                </a:schemeClr>
-              </a:solidFill>
-              <a:latin typeface="Arial" panose="020B0604020202020204" pitchFamily="34" charset="0"/>
-              <a:cs typeface="Arial" panose="020B0604020202020204" pitchFamily="34" charset="0"/>
-            </a:endParaRPr>
-          </a:p>
-          <a:p>
-            <a:pPr marL="342900" indent="-342900">
-              <a:spcBef>
-                <a:spcPts val="1000"/>
-              </a:spcBef>
-              <a:buClr>
-                <a:schemeClr val="accent1"/>
-              </a:buClr>
-              <a:buFont typeface="Wingdings" panose="05000000000000000000" pitchFamily="2" charset="2"/>
-              <a:buChar char="ü"/>
-            </a:pPr>
-            <a:r>
-              <a:rPr lang="en-US" sz="2000" dirty="0">
-                <a:solidFill>
-                  <a:schemeClr val="accent1">
-                    <a:lumMod val="50000"/>
-                  </a:schemeClr>
-                </a:solidFill>
-                <a:latin typeface="Arial" panose="020B0604020202020204" pitchFamily="34" charset="0"/>
-                <a:cs typeface="Arial" panose="020B0604020202020204" pitchFamily="34" charset="0"/>
-              </a:rPr>
-              <a:t>p</a:t>
-            </a:r>
-          </a:p>
-          <a:p>
-            <a:endParaRPr lang="en-US" sz="3200" b="1" dirty="0">
-              <a:solidFill>
-                <a:schemeClr val="accent2">
-                  <a:lumMod val="75000"/>
-                </a:schemeClr>
-              </a:solidFill>
-              <a:latin typeface="Arial" panose="020B0604020202020204" pitchFamily="34" charset="0"/>
-              <a:cs typeface="Arial" panose="020B0604020202020204" pitchFamily="34" charset="0"/>
-            </a:endParaRPr>
+              <a:rPr lang="en-US" sz="2400" dirty="0"/>
+              <a:t>HTML elements label pieces of content such as "this is a heading", "this is a paragraph", "this is a link", etc.</a:t>
+            </a:r>
+          </a:p>
+          <a:p>
+            <a:endParaRPr lang="en-US" sz="2400" dirty="0"/>
           </a:p>
         </p:txBody>
       </p:sp>
     </p:spTree>
     <p:extLst>
       <p:ext uri="{BB962C8B-B14F-4D97-AF65-F5344CB8AC3E}">
-        <p14:creationId xmlns:p14="http://schemas.microsoft.com/office/powerpoint/2010/main" val="2788813066"/>
+        <p14:creationId xmlns:p14="http://schemas.microsoft.com/office/powerpoint/2010/main" val="2793231046"/>
       </p:ext>
     </p:extLst>
   </p:cSld>
@@ -8954,37 +8536,8 @@
         </p:nvSpPr>
         <p:spPr>
           <a:xfrm>
-            <a:off x="2488423" y="545733"/>
+            <a:off x="2589212" y="160378"/>
             <a:ext cx="8911687" cy="1280890"/>
-          </a:xfrm>
-        </p:spPr>
-        <p:txBody>
-          <a:bodyPr>
-            <a:normAutofit/>
-          </a:bodyPr>
-          <a:lstStyle/>
-          <a:p>
-            <a:r>
-              <a:rPr lang="en-US" sz="4000" b="1" dirty="0"/>
-              <a:t>HTML tags</a:t>
-            </a:r>
-          </a:p>
-        </p:txBody>
-      </p:sp>
-      <p:sp>
-        <p:nvSpPr>
-          <p:cNvPr id="3" name="Content Placeholder 2"/>
-          <p:cNvSpPr>
-            <a:spLocks noGrp="1"/>
-          </p:cNvSpPr>
-          <p:nvPr>
-            <p:ph idx="1"/>
-          </p:nvPr>
-        </p:nvSpPr>
-        <p:spPr>
-          <a:xfrm>
-            <a:off x="2589212" y="1689462"/>
-            <a:ext cx="8915400" cy="4593771"/>
           </a:xfrm>
         </p:spPr>
         <p:txBody>
@@ -8993,203 +8546,249 @@
           </a:bodyPr>
           <a:lstStyle/>
           <a:p>
-            <a:pPr>
-              <a:buFont typeface="Wingdings" panose="05000000000000000000" pitchFamily="2" charset="2"/>
-              <a:buChar char="Ø"/>
+            <a:r>
+              <a:rPr lang="en-US" sz="4000" b="1" dirty="0"/>
+              <a:t>HTML Documents</a:t>
+            </a:r>
+            <a:br>
+              <a:rPr lang="en-US" sz="4000" b="1" dirty="0"/>
+            </a:br>
+            <a:endParaRPr lang="en-US" sz="4000" b="1" dirty="0"/>
+          </a:p>
+        </p:txBody>
+      </p:sp>
+      <p:sp>
+        <p:nvSpPr>
+          <p:cNvPr id="3" name="Content Placeholder 2"/>
+          <p:cNvSpPr>
+            <a:spLocks noGrp="1"/>
+          </p:cNvSpPr>
+          <p:nvPr>
+            <p:ph idx="1"/>
+          </p:nvPr>
+        </p:nvSpPr>
+        <p:spPr>
+          <a:xfrm>
+            <a:off x="2589212" y="1111317"/>
+            <a:ext cx="8915400" cy="5024846"/>
+          </a:xfrm>
+        </p:spPr>
+        <p:txBody>
+          <a:bodyPr>
+            <a:noAutofit/>
+          </a:bodyPr>
+          <a:lstStyle/>
+          <a:p>
+            <a:pPr marL="0" indent="0">
+              <a:buNone/>
             </a:pPr>
             <a:r>
-              <a:rPr lang="en-US" sz="2600" dirty="0">
-                <a:solidFill>
-                  <a:schemeClr val="accent1">
-                    <a:lumMod val="50000"/>
-                  </a:schemeClr>
-                </a:solidFill>
-                <a:latin typeface="Arial" panose="020B0604020202020204" pitchFamily="34" charset="0"/>
-                <a:cs typeface="Arial" panose="020B0604020202020204" pitchFamily="34" charset="0"/>
+              <a:rPr lang="en-US" sz="2400" dirty="0">
+                <a:solidFill>
+                  <a:schemeClr val="accent1"/>
+                </a:solidFill>
               </a:rPr>
-              <a:t>Lists type or start attribute</a:t>
-            </a:r>
-          </a:p>
-          <a:p>
-            <a:pPr>
-              <a:buFont typeface="Wingdings" panose="05000000000000000000" pitchFamily="2" charset="2"/>
-              <a:buChar char="Ø"/>
+              <a:t>&lt;html&gt;</a:t>
+            </a:r>
+          </a:p>
+          <a:p>
+            <a:pPr marL="0" indent="0">
+              <a:buNone/>
             </a:pPr>
             <a:r>
-              <a:rPr lang="en-US" sz="2600" dirty="0">
-                <a:solidFill>
-                  <a:schemeClr val="accent1">
-                    <a:lumMod val="50000"/>
-                  </a:schemeClr>
-                </a:solidFill>
-                <a:latin typeface="Arial" panose="020B0604020202020204" pitchFamily="34" charset="0"/>
-                <a:cs typeface="Arial" panose="020B0604020202020204" pitchFamily="34" charset="0"/>
+              <a:rPr lang="en-US" sz="2400" dirty="0">
+                <a:solidFill>
+                  <a:schemeClr val="accent1"/>
+                </a:solidFill>
               </a:rPr>
-              <a:t>Disc , circle, square ,A,I in lists.</a:t>
-            </a:r>
-          </a:p>
-          <a:p>
-            <a:pPr>
-              <a:buFont typeface="Wingdings" panose="05000000000000000000" pitchFamily="2" charset="2"/>
-              <a:buChar char="Ø"/>
+              <a:t>&lt;head&gt;</a:t>
+            </a:r>
+          </a:p>
+          <a:p>
+            <a:pPr marL="0" indent="0">
+              <a:buNone/>
             </a:pPr>
             <a:r>
-              <a:rPr lang="en-US" sz="2600" dirty="0">
-                <a:solidFill>
-                  <a:schemeClr val="accent1">
-                    <a:lumMod val="50000"/>
-                  </a:schemeClr>
-                </a:solidFill>
-                <a:latin typeface="Arial" panose="020B0604020202020204" pitchFamily="34" charset="0"/>
-                <a:cs typeface="Arial" panose="020B0604020202020204" pitchFamily="34" charset="0"/>
+              <a:rPr lang="en-US" sz="2400" dirty="0">
+                <a:solidFill>
+                  <a:schemeClr val="accent1"/>
+                </a:solidFill>
               </a:rPr>
-              <a:t>ordered list starts with the &lt;</a:t>
-            </a:r>
-            <a:r>
-              <a:rPr lang="en-US" sz="2600" dirty="0" err="1">
-                <a:solidFill>
-                  <a:schemeClr val="accent1">
-                    <a:lumMod val="50000"/>
-                  </a:schemeClr>
-                </a:solidFill>
-                <a:latin typeface="Arial" panose="020B0604020202020204" pitchFamily="34" charset="0"/>
-                <a:cs typeface="Arial" panose="020B0604020202020204" pitchFamily="34" charset="0"/>
+              <a:t>&lt;title&gt;</a:t>
+            </a:r>
+            <a:r>
+              <a:rPr lang="en-US" sz="2400" dirty="0"/>
+              <a:t>1st</a:t>
+            </a:r>
+            <a:r>
+              <a:rPr lang="en-US" sz="2400" dirty="0">
+                <a:solidFill>
+                  <a:schemeClr val="accent1"/>
+                </a:solidFill>
               </a:rPr>
-              <a:t>ol</a:t>
-            </a:r>
-            <a:r>
-              <a:rPr lang="en-US" sz="2600" dirty="0">
-                <a:solidFill>
-                  <a:schemeClr val="accent1">
-                    <a:lumMod val="50000"/>
-                  </a:schemeClr>
-                </a:solidFill>
-                <a:latin typeface="Arial" panose="020B0604020202020204" pitchFamily="34" charset="0"/>
-                <a:cs typeface="Arial" panose="020B0604020202020204" pitchFamily="34" charset="0"/>
+              <a:t> </a:t>
+            </a:r>
+            <a:r>
+              <a:rPr lang="en-US" sz="2400" dirty="0"/>
+              <a:t>Website</a:t>
+            </a:r>
+            <a:r>
+              <a:rPr lang="en-US" sz="2400" dirty="0">
+                <a:solidFill>
+                  <a:schemeClr val="accent1"/>
+                </a:solidFill>
               </a:rPr>
-              <a:t>&gt; tag</a:t>
-            </a:r>
-          </a:p>
-          <a:p>
-            <a:pPr>
-              <a:buFont typeface="Wingdings" panose="05000000000000000000" pitchFamily="2" charset="2"/>
-              <a:buChar char="Ø"/>
+              <a:t>&lt;/title&gt;</a:t>
+            </a:r>
+          </a:p>
+          <a:p>
+            <a:pPr marL="0" indent="0">
+              <a:buNone/>
             </a:pPr>
             <a:r>
-              <a:rPr lang="en-US" sz="2600" dirty="0">
-                <a:solidFill>
-                  <a:schemeClr val="accent1">
-                    <a:lumMod val="50000"/>
-                  </a:schemeClr>
-                </a:solidFill>
-                <a:latin typeface="Arial" panose="020B0604020202020204" pitchFamily="34" charset="0"/>
-                <a:cs typeface="Arial" panose="020B0604020202020204" pitchFamily="34" charset="0"/>
+              <a:rPr lang="en-US" sz="2400" dirty="0">
+                <a:solidFill>
+                  <a:schemeClr val="accent1"/>
+                </a:solidFill>
               </a:rPr>
-              <a:t>unordered list starts with the &lt;</a:t>
-            </a:r>
-            <a:r>
-              <a:rPr lang="en-US" sz="2600" dirty="0" err="1">
-                <a:solidFill>
-                  <a:schemeClr val="accent1">
-                    <a:lumMod val="50000"/>
-                  </a:schemeClr>
-                </a:solidFill>
-                <a:latin typeface="Arial" panose="020B0604020202020204" pitchFamily="34" charset="0"/>
-                <a:cs typeface="Arial" panose="020B0604020202020204" pitchFamily="34" charset="0"/>
+              <a:t>&lt;/head&gt;</a:t>
+            </a:r>
+          </a:p>
+          <a:p>
+            <a:pPr marL="0" indent="0">
+              <a:buNone/>
+            </a:pPr>
+            <a:br>
+              <a:rPr lang="en-US" sz="2400" dirty="0">
+                <a:solidFill>
+                  <a:schemeClr val="accent1"/>
+                </a:solidFill>
               </a:rPr>
-              <a:t>ul</a:t>
-            </a:r>
-            <a:r>
-              <a:rPr lang="en-US" sz="2600" dirty="0">
-                <a:solidFill>
-                  <a:schemeClr val="accent1">
-                    <a:lumMod val="50000"/>
-                  </a:schemeClr>
-                </a:solidFill>
-                <a:latin typeface="Arial" panose="020B0604020202020204" pitchFamily="34" charset="0"/>
-                <a:cs typeface="Arial" panose="020B0604020202020204" pitchFamily="34" charset="0"/>
+            </a:br>
+            <a:r>
+              <a:rPr lang="en-US" sz="2400" dirty="0"/>
+              <a:t>         </a:t>
+            </a:r>
+            <a:r>
+              <a:rPr lang="en-US" sz="2400" dirty="0">
+                <a:solidFill>
+                  <a:schemeClr val="accent1"/>
+                </a:solidFill>
               </a:rPr>
-              <a:t>&gt; tag.</a:t>
-            </a:r>
-          </a:p>
-          <a:p>
-            <a:pPr>
-              <a:buFont typeface="Wingdings" panose="05000000000000000000" pitchFamily="2" charset="2"/>
-              <a:buChar char="Ø"/>
+              <a:t>&lt;body&gt;</a:t>
+            </a:r>
+            <a:br>
+              <a:rPr lang="en-US" sz="2400" dirty="0"/>
+            </a:br>
+            <a:br>
+              <a:rPr lang="en-US" sz="2400" dirty="0"/>
+            </a:br>
+            <a:r>
+              <a:rPr lang="en-US" sz="2400" dirty="0">
+                <a:solidFill>
+                  <a:schemeClr val="accent1"/>
+                </a:solidFill>
+              </a:rPr>
+              <a:t>&lt;h1&gt; </a:t>
+            </a:r>
+            <a:r>
+              <a:rPr lang="en-US" sz="2400" dirty="0"/>
+              <a:t>My</a:t>
+            </a:r>
+            <a:r>
+              <a:rPr lang="en-US" sz="2400" dirty="0">
+                <a:solidFill>
+                  <a:schemeClr val="accent1"/>
+                </a:solidFill>
+              </a:rPr>
+              <a:t> </a:t>
+            </a:r>
+            <a:r>
+              <a:rPr lang="en-US" sz="2400" dirty="0"/>
+              <a:t>First Heading </a:t>
+            </a:r>
+            <a:r>
+              <a:rPr lang="en-US" sz="2400" dirty="0">
+                <a:solidFill>
+                  <a:schemeClr val="accent1"/>
+                </a:solidFill>
+              </a:rPr>
+              <a:t>&lt;/h1&gt;</a:t>
+            </a:r>
+            <a:br>
+              <a:rPr lang="en-US" sz="2400" dirty="0"/>
+            </a:br>
+            <a:r>
+              <a:rPr lang="en-US" sz="2400" dirty="0">
+                <a:solidFill>
+                  <a:schemeClr val="accent1"/>
+                </a:solidFill>
+              </a:rPr>
+              <a:t>&lt;p&gt; </a:t>
+            </a:r>
+            <a:r>
+              <a:rPr lang="en-US" sz="2400" dirty="0"/>
+              <a:t>My first paragraph</a:t>
+            </a:r>
+            <a:r>
+              <a:rPr lang="en-US" sz="2400" dirty="0">
+                <a:solidFill>
+                  <a:schemeClr val="accent1"/>
+                </a:solidFill>
+              </a:rPr>
+              <a:t> &lt;/p&gt;</a:t>
+            </a:r>
+            <a:br>
+              <a:rPr lang="en-US" sz="2400" dirty="0"/>
+            </a:br>
+            <a:br>
+              <a:rPr lang="en-US" sz="2400" dirty="0"/>
+            </a:br>
+            <a:r>
+              <a:rPr lang="en-US" sz="2400" dirty="0"/>
+              <a:t>          </a:t>
+            </a:r>
+            <a:r>
+              <a:rPr lang="en-US" sz="2400" dirty="0">
+                <a:solidFill>
+                  <a:schemeClr val="accent1"/>
+                </a:solidFill>
+              </a:rPr>
+              <a:t>&lt;/body&gt;</a:t>
+            </a:r>
+          </a:p>
+          <a:p>
+            <a:pPr marL="0" indent="0">
+              <a:buNone/>
             </a:pPr>
-            <a:r>
-              <a:rPr lang="en-US" sz="2600" dirty="0">
-                <a:solidFill>
-                  <a:schemeClr val="accent1">
-                    <a:lumMod val="50000"/>
-                  </a:schemeClr>
-                </a:solidFill>
-                <a:latin typeface="Arial" panose="020B0604020202020204" pitchFamily="34" charset="0"/>
-                <a:cs typeface="Arial" panose="020B0604020202020204" pitchFamily="34" charset="0"/>
+            <a:br>
+              <a:rPr lang="en-US" sz="2400" dirty="0"/>
+            </a:br>
+            <a:r>
+              <a:rPr lang="en-US" sz="2400" dirty="0">
+                <a:solidFill>
+                  <a:schemeClr val="accent1"/>
+                </a:solidFill>
               </a:rPr>
-              <a:t>&lt;dl&gt; tag defines the description list, the </a:t>
-            </a:r>
-          </a:p>
-          <a:p>
-            <a:pPr>
-              <a:buFont typeface="Wingdings" panose="05000000000000000000" pitchFamily="2" charset="2"/>
-              <a:buChar char="Ø"/>
+              <a:t>&lt;/html&gt;</a:t>
+            </a:r>
+          </a:p>
+          <a:p>
+            <a:pPr marL="0" indent="0">
+              <a:buNone/>
             </a:pPr>
-            <a:r>
-              <a:rPr lang="en-US" sz="2600" dirty="0">
-                <a:solidFill>
-                  <a:schemeClr val="accent1">
-                    <a:lumMod val="50000"/>
-                  </a:schemeClr>
-                </a:solidFill>
-                <a:latin typeface="Arial" panose="020B0604020202020204" pitchFamily="34" charset="0"/>
-                <a:cs typeface="Arial" panose="020B0604020202020204" pitchFamily="34" charset="0"/>
-              </a:rPr>
-              <a:t>&lt;dt&gt; tag defines the term (name), and the</a:t>
-            </a:r>
-          </a:p>
-          <a:p>
-            <a:pPr>
-              <a:buFont typeface="Wingdings" panose="05000000000000000000" pitchFamily="2" charset="2"/>
-              <a:buChar char="Ø"/>
-            </a:pPr>
-            <a:r>
-              <a:rPr lang="en-US" sz="2600" dirty="0">
-                <a:solidFill>
-                  <a:schemeClr val="accent1">
-                    <a:lumMod val="50000"/>
-                  </a:schemeClr>
-                </a:solidFill>
-                <a:latin typeface="Arial" panose="020B0604020202020204" pitchFamily="34" charset="0"/>
-                <a:cs typeface="Arial" panose="020B0604020202020204" pitchFamily="34" charset="0"/>
-              </a:rPr>
-              <a:t> &lt;dd&gt; tag describes each term</a:t>
-            </a:r>
-          </a:p>
-          <a:p>
-            <a:pPr>
-              <a:buFont typeface="Wingdings" panose="05000000000000000000" pitchFamily="2" charset="2"/>
-              <a:buChar char="Ø"/>
-            </a:pPr>
-            <a:r>
-              <a:rPr lang="en-US" sz="2600" dirty="0">
-                <a:solidFill>
-                  <a:schemeClr val="accent1">
-                    <a:lumMod val="50000"/>
-                  </a:schemeClr>
-                </a:solidFill>
-                <a:latin typeface="Arial" panose="020B0604020202020204" pitchFamily="34" charset="0"/>
-                <a:cs typeface="Arial" panose="020B0604020202020204" pitchFamily="34" charset="0"/>
-              </a:rPr>
-              <a:t>Nested List</a:t>
-            </a:r>
+            <a:endParaRPr lang="en-US" sz="2400" dirty="0">
+              <a:solidFill>
+                <a:schemeClr val="accent1"/>
+              </a:solidFill>
+            </a:endParaRPr>
           </a:p>
         </p:txBody>
       </p:sp>
     </p:spTree>
     <p:extLst>
       <p:ext uri="{BB962C8B-B14F-4D97-AF65-F5344CB8AC3E}">
-        <p14:creationId xmlns:p14="http://schemas.microsoft.com/office/powerpoint/2010/main" val="3095889622"/>
+        <p14:creationId xmlns:p14="http://schemas.microsoft.com/office/powerpoint/2010/main" val="1810195603"/>
       </p:ext>
     </p:extLst>
   </p:cSld>
@@ -9226,7 +8825,12 @@
             <p:ph type="title"/>
           </p:nvPr>
         </p:nvSpPr>
-        <p:spPr/>
+        <p:spPr>
+          <a:xfrm>
+            <a:off x="2436169" y="0"/>
+            <a:ext cx="8911687" cy="1280890"/>
+          </a:xfrm>
+        </p:spPr>
         <p:txBody>
           <a:bodyPr>
             <a:normAutofit/>
@@ -9234,436 +8838,288 @@
           <a:lstStyle/>
           <a:p>
             <a:r>
-              <a:rPr lang="en-US" sz="4400" b="1" dirty="0"/>
-              <a:t>TABLE</a:t>
-            </a:r>
-          </a:p>
-        </p:txBody>
-      </p:sp>
-      <p:sp>
-        <p:nvSpPr>
-          <p:cNvPr id="3" name="Content Placeholder 2"/>
-          <p:cNvSpPr>
-            <a:spLocks noGrp="1"/>
+              <a:rPr lang="en-US" sz="4000" b="1" dirty="0"/>
+              <a:t>About Elements</a:t>
+            </a:r>
+          </a:p>
+        </p:txBody>
+      </p:sp>
+      <p:sp>
+        <p:nvSpPr>
+          <p:cNvPr id="5" name="Rectangle 2"/>
+          <p:cNvSpPr>
+            <a:spLocks noGrp="1" noChangeArrowheads="1"/>
           </p:cNvSpPr>
           <p:nvPr>
             <p:ph idx="1"/>
           </p:nvPr>
         </p:nvSpPr>
-        <p:spPr>
+        <p:spPr bwMode="auto">
           <a:xfrm>
-            <a:off x="2589212" y="1532709"/>
-            <a:ext cx="8915400" cy="4920342"/>
+            <a:off x="2309560" y="640445"/>
+            <a:ext cx="10027806" cy="5991384"/>
           </a:xfrm>
+          <a:prstGeom prst="rect">
+            <a:avLst/>
+          </a:prstGeom>
+          <a:noFill/>
+          <a:ln>
+            <a:noFill/>
+          </a:ln>
+          <a:effectLst/>
+          <a:extLst>
+            <a:ext uri="{909E8E84-426E-40DD-AFC4-6F175D3DCCD1}">
+              <a14:hiddenFill xmlns:a14="http://schemas.microsoft.com/office/drawing/2010/main">
+                <a:solidFill>
+                  <a:schemeClr val="accent1"/>
+                </a:solidFill>
+              </a14:hiddenFill>
+            </a:ext>
+            <a:ext uri="{91240B29-F687-4F45-9708-019B960494DF}">
+              <a14:hiddenLine xmlns:a14="http://schemas.microsoft.com/office/drawing/2010/main" w="9525">
+                <a:solidFill>
+                  <a:schemeClr val="tx1"/>
+                </a:solidFill>
+                <a:miter lim="800000"/>
+                <a:headEnd/>
+                <a:tailEnd/>
+              </a14:hiddenLine>
+            </a:ext>
+            <a:ext uri="{AF507438-7753-43E0-B8FC-AC1667EBCBE1}">
+              <a14:hiddenEffects xmlns:a14="http://schemas.microsoft.com/office/drawing/2010/main">
+                <a:effectLst>
+                  <a:outerShdw dist="35921" dir="2700000" algn="ctr" rotWithShape="0">
+                    <a:schemeClr val="bg2"/>
+                  </a:outerShdw>
+                </a:effectLst>
+              </a14:hiddenEffects>
+            </a:ext>
+          </a:extLst>
         </p:spPr>
         <p:txBody>
-          <a:bodyPr>
-            <a:noAutofit/>
+          <a:bodyPr vert="horz" wrap="square" lIns="91440" tIns="45720" rIns="91440" bIns="45720" numCol="1" anchor="ctr" anchorCtr="0" compatLnSpc="1">
+            <a:prstTxWarp prst="textNoShape">
+              <a:avLst/>
+            </a:prstTxWarp>
+            <a:spAutoFit/>
           </a:bodyPr>
           <a:lstStyle/>
           <a:p>
-            <a:pPr>
+            <a:pPr marR="0" fontAlgn="base">
+              <a:lnSpc>
+                <a:spcPct val="100000"/>
+              </a:lnSpc>
+              <a:buSzTx/>
               <a:buFont typeface="Wingdings" panose="05000000000000000000" pitchFamily="2" charset="2"/>
-              <a:buChar char="ü"/>
+              <a:buChar char="v"/>
+              <a:tabLst/>
             </a:pPr>
             <a:r>
-              <a:rPr lang="en-US" sz="2600" dirty="0">
-                <a:solidFill>
-                  <a:schemeClr val="accent1">
-                    <a:lumMod val="50000"/>
-                  </a:schemeClr>
-                </a:solidFill>
-                <a:latin typeface="Arial" panose="020B0604020202020204" pitchFamily="34" charset="0"/>
-                <a:cs typeface="Arial" panose="020B0604020202020204" pitchFamily="34" charset="0"/>
+              <a:rPr lang="en-US" altLang="en-US" sz="2000" dirty="0">
+                <a:solidFill>
+                  <a:schemeClr val="tx1"/>
+                </a:solidFill>
               </a:rPr>
-              <a:t>Table  &lt;table&gt;&lt;/table&gt;</a:t>
-            </a:r>
-          </a:p>
-          <a:p>
-            <a:pPr>
+              <a:t>The opening &lt;html&gt; tag indicates that anything between it and a closing &lt;/html&gt; tag is HTML </a:t>
+            </a:r>
+            <a:r>
+              <a:rPr lang="en-US" altLang="en-US" dirty="0">
+                <a:solidFill>
+                  <a:schemeClr val="tx1"/>
+                </a:solidFill>
+              </a:rPr>
+              <a:t>code</a:t>
+            </a:r>
+            <a:r>
+              <a:rPr lang="en-US" altLang="en-US" sz="2000" dirty="0">
+                <a:solidFill>
+                  <a:schemeClr val="tx1"/>
+                </a:solidFill>
+              </a:rPr>
+              <a:t>.</a:t>
+            </a:r>
+          </a:p>
+          <a:p>
+            <a:pPr marR="0" lvl="0" fontAlgn="base">
+              <a:lnSpc>
+                <a:spcPct val="100000"/>
+              </a:lnSpc>
+              <a:buSzTx/>
               <a:buFont typeface="Wingdings" panose="05000000000000000000" pitchFamily="2" charset="2"/>
-              <a:buChar char="ü"/>
+              <a:buChar char="v"/>
+              <a:tabLst/>
             </a:pPr>
-            <a:r>
-              <a:rPr lang="en-US" sz="2600" dirty="0">
-                <a:solidFill>
-                  <a:schemeClr val="accent1">
-                    <a:lumMod val="50000"/>
-                  </a:schemeClr>
-                </a:solidFill>
-                <a:latin typeface="Arial" panose="020B0604020202020204" pitchFamily="34" charset="0"/>
-                <a:cs typeface="Arial" panose="020B0604020202020204" pitchFamily="34" charset="0"/>
+            <a:endParaRPr lang="en-US" altLang="en-US" sz="2000" dirty="0">
+              <a:solidFill>
+                <a:schemeClr val="tx1"/>
+              </a:solidFill>
+            </a:endParaRPr>
+          </a:p>
+          <a:p>
+            <a:pPr lvl="0" fontAlgn="base">
+              <a:buFont typeface="Wingdings" panose="05000000000000000000" pitchFamily="2" charset="2"/>
+              <a:buChar char="v"/>
+            </a:pPr>
+            <a:r>
+              <a:rPr lang="en-US" altLang="en-US" sz="2000" dirty="0">
+                <a:solidFill>
+                  <a:schemeClr val="tx1"/>
+                </a:solidFill>
               </a:rPr>
-              <a:t>Table Row &lt;</a:t>
-            </a:r>
-            <a:r>
-              <a:rPr lang="en-US" sz="2600" dirty="0" err="1">
-                <a:solidFill>
-                  <a:schemeClr val="accent1">
-                    <a:lumMod val="50000"/>
-                  </a:schemeClr>
-                </a:solidFill>
-                <a:latin typeface="Arial" panose="020B0604020202020204" pitchFamily="34" charset="0"/>
-                <a:cs typeface="Arial" panose="020B0604020202020204" pitchFamily="34" charset="0"/>
+              <a:t> The &lt;body&gt;</a:t>
+            </a:r>
+            <a:r>
+              <a:rPr lang="en-US" sz="2000" dirty="0">
+                <a:solidFill>
+                  <a:schemeClr val="tx1"/>
+                </a:solidFill>
               </a:rPr>
-              <a:t>tr</a:t>
-            </a:r>
-            <a:r>
-              <a:rPr lang="en-US" sz="2600" dirty="0">
-                <a:solidFill>
-                  <a:schemeClr val="accent1">
-                    <a:lumMod val="50000"/>
-                  </a:schemeClr>
-                </a:solidFill>
-                <a:latin typeface="Arial" panose="020B0604020202020204" pitchFamily="34" charset="0"/>
-                <a:cs typeface="Arial" panose="020B0604020202020204" pitchFamily="34" charset="0"/>
+              <a:t> tag indicates that anything between it and the closing &lt;/body&gt;. tag should be shown inside the main browser window.</a:t>
+            </a:r>
+          </a:p>
+          <a:p>
+            <a:pPr lvl="0" fontAlgn="base">
+              <a:buFont typeface="Wingdings" panose="05000000000000000000" pitchFamily="2" charset="2"/>
+              <a:buChar char="v"/>
+            </a:pPr>
+            <a:endParaRPr lang="en-US" sz="2000" dirty="0">
+              <a:solidFill>
+                <a:schemeClr val="tx1"/>
+              </a:solidFill>
+            </a:endParaRPr>
+          </a:p>
+          <a:p>
+            <a:pPr lvl="0" fontAlgn="base">
+              <a:buFont typeface="Wingdings" panose="05000000000000000000" pitchFamily="2" charset="2"/>
+              <a:buChar char="v"/>
+            </a:pPr>
+            <a:r>
+              <a:rPr lang="en-US" sz="2000" dirty="0">
+                <a:solidFill>
+                  <a:schemeClr val="tx1"/>
+                </a:solidFill>
               </a:rPr>
-              <a:t>&gt;&lt;/</a:t>
-            </a:r>
-            <a:r>
-              <a:rPr lang="en-US" sz="2600" dirty="0" err="1">
-                <a:solidFill>
-                  <a:schemeClr val="accent1">
-                    <a:lumMod val="50000"/>
-                  </a:schemeClr>
-                </a:solidFill>
-                <a:latin typeface="Arial" panose="020B0604020202020204" pitchFamily="34" charset="0"/>
-                <a:cs typeface="Arial" panose="020B0604020202020204" pitchFamily="34" charset="0"/>
+              <a:t>&lt;</a:t>
+            </a:r>
+            <a:r>
+              <a:rPr lang="en-US" sz="2000" dirty="0" err="1">
+                <a:solidFill>
+                  <a:schemeClr val="tx1"/>
+                </a:solidFill>
               </a:rPr>
-              <a:t>tr</a:t>
-            </a:r>
-            <a:r>
-              <a:rPr lang="en-US" sz="2600" dirty="0">
-                <a:solidFill>
-                  <a:schemeClr val="accent1">
-                    <a:lumMod val="50000"/>
-                  </a:schemeClr>
-                </a:solidFill>
-                <a:latin typeface="Arial" panose="020B0604020202020204" pitchFamily="34" charset="0"/>
-                <a:cs typeface="Arial" panose="020B0604020202020204" pitchFamily="34" charset="0"/>
+              <a:t>tagname</a:t>
+            </a:r>
+            <a:r>
+              <a:rPr lang="en-US" sz="2000" dirty="0">
+                <a:solidFill>
+                  <a:schemeClr val="tx1"/>
+                </a:solidFill>
+              </a:rPr>
+              <a:t>&gt;Content goes here...&lt;/</a:t>
+            </a:r>
+            <a:r>
+              <a:rPr lang="en-US" sz="2000" dirty="0" err="1">
+                <a:solidFill>
+                  <a:schemeClr val="tx1"/>
+                </a:solidFill>
+              </a:rPr>
+              <a:t>tagname</a:t>
+            </a:r>
+            <a:r>
+              <a:rPr lang="en-US" sz="2000" dirty="0">
+                <a:solidFill>
+                  <a:schemeClr val="tx1"/>
+                </a:solidFill>
               </a:rPr>
               <a:t>&gt;</a:t>
             </a:r>
           </a:p>
           <a:p>
-            <a:pPr>
+            <a:pPr lvl="0" fontAlgn="base">
               <a:buFont typeface="Wingdings" panose="05000000000000000000" pitchFamily="2" charset="2"/>
-              <a:buChar char="ü"/>
+              <a:buChar char="v"/>
             </a:pPr>
-            <a:r>
-              <a:rPr lang="en-US" sz="2600" dirty="0">
-                <a:solidFill>
-                  <a:schemeClr val="accent1">
-                    <a:lumMod val="50000"/>
-                  </a:schemeClr>
-                </a:solidFill>
-                <a:latin typeface="Arial" panose="020B0604020202020204" pitchFamily="34" charset="0"/>
-                <a:cs typeface="Arial" panose="020B0604020202020204" pitchFamily="34" charset="0"/>
+            <a:endParaRPr lang="en-US" altLang="en-US" sz="2000" dirty="0">
+              <a:solidFill>
+                <a:schemeClr val="tx1"/>
+              </a:solidFill>
+            </a:endParaRPr>
+          </a:p>
+          <a:p>
+            <a:pPr lvl="0" fontAlgn="base">
+              <a:buFont typeface="Wingdings" panose="05000000000000000000" pitchFamily="2" charset="2"/>
+              <a:buChar char="v"/>
+            </a:pPr>
+            <a:r>
+              <a:rPr lang="en-US" altLang="en-US" sz="2000" dirty="0">
+                <a:solidFill>
+                  <a:schemeClr val="tx1"/>
+                </a:solidFill>
               </a:rPr>
-              <a:t>Table Heading &lt;</a:t>
-            </a:r>
-            <a:r>
-              <a:rPr lang="en-US" sz="2600" dirty="0" err="1">
-                <a:solidFill>
-                  <a:schemeClr val="accent1">
-                    <a:lumMod val="50000"/>
-                  </a:schemeClr>
-                </a:solidFill>
-                <a:latin typeface="Arial" panose="020B0604020202020204" pitchFamily="34" charset="0"/>
-                <a:cs typeface="Arial" panose="020B0604020202020204" pitchFamily="34" charset="0"/>
+              <a:t>&lt; &gt; indicate opening tag.</a:t>
+            </a:r>
+          </a:p>
+          <a:p>
+            <a:pPr lvl="0" fontAlgn="base">
+              <a:buFont typeface="Wingdings" panose="05000000000000000000" pitchFamily="2" charset="2"/>
+              <a:buChar char="v"/>
+            </a:pPr>
+            <a:endParaRPr lang="en-US" altLang="en-US" sz="2000" dirty="0">
+              <a:solidFill>
+                <a:schemeClr val="tx1"/>
+              </a:solidFill>
+            </a:endParaRPr>
+          </a:p>
+          <a:p>
+            <a:pPr lvl="0" fontAlgn="base">
+              <a:buFont typeface="Wingdings" panose="05000000000000000000" pitchFamily="2" charset="2"/>
+              <a:buChar char="v"/>
+            </a:pPr>
+            <a:r>
+              <a:rPr lang="en-US" altLang="en-US" sz="2000" dirty="0">
+                <a:solidFill>
+                  <a:schemeClr val="tx1"/>
+                </a:solidFill>
               </a:rPr>
-              <a:t>th</a:t>
-            </a:r>
-            <a:r>
-              <a:rPr lang="en-US" sz="2600" dirty="0">
-                <a:solidFill>
-                  <a:schemeClr val="accent1">
-                    <a:lumMod val="50000"/>
-                  </a:schemeClr>
-                </a:solidFill>
-                <a:latin typeface="Arial" panose="020B0604020202020204" pitchFamily="34" charset="0"/>
-                <a:cs typeface="Arial" panose="020B0604020202020204" pitchFamily="34" charset="0"/>
+              <a:t>&lt;/ &gt; indicate the tag is closed . It include Forward Slash /.</a:t>
+            </a:r>
+          </a:p>
+          <a:p>
+            <a:pPr lvl="0" fontAlgn="base">
+              <a:buFont typeface="Wingdings" panose="05000000000000000000" pitchFamily="2" charset="2"/>
+              <a:buChar char="v"/>
+            </a:pPr>
+            <a:endParaRPr lang="en-US" altLang="en-US" sz="2000" dirty="0">
+              <a:solidFill>
+                <a:schemeClr val="tx1"/>
+              </a:solidFill>
+            </a:endParaRPr>
+          </a:p>
+          <a:p>
+            <a:pPr lvl="0" fontAlgn="base">
+              <a:buFont typeface="Wingdings" panose="05000000000000000000" pitchFamily="2" charset="2"/>
+              <a:buChar char="v"/>
+            </a:pPr>
+            <a:r>
+              <a:rPr lang="en-US" sz="2000" dirty="0">
+                <a:solidFill>
+                  <a:schemeClr val="tx1"/>
+                </a:solidFill>
               </a:rPr>
-              <a:t>&gt;&lt;/</a:t>
-            </a:r>
-            <a:r>
-              <a:rPr lang="en-US" sz="2600" dirty="0" err="1">
-                <a:solidFill>
-                  <a:schemeClr val="accent1">
-                    <a:lumMod val="50000"/>
-                  </a:schemeClr>
-                </a:solidFill>
-                <a:latin typeface="Arial" panose="020B0604020202020204" pitchFamily="34" charset="0"/>
-                <a:cs typeface="Arial" panose="020B0604020202020204" pitchFamily="34" charset="0"/>
-              </a:rPr>
-              <a:t>th</a:t>
-            </a:r>
-            <a:r>
-              <a:rPr lang="en-US" sz="2600" dirty="0">
-                <a:solidFill>
-                  <a:schemeClr val="accent1">
-                    <a:lumMod val="50000"/>
-                  </a:schemeClr>
-                </a:solidFill>
-                <a:latin typeface="Arial" panose="020B0604020202020204" pitchFamily="34" charset="0"/>
-                <a:cs typeface="Arial" panose="020B0604020202020204" pitchFamily="34" charset="0"/>
-              </a:rPr>
-              <a:t>&gt;</a:t>
-            </a:r>
-          </a:p>
-          <a:p>
-            <a:pPr>
-              <a:buFont typeface="Wingdings" panose="05000000000000000000" pitchFamily="2" charset="2"/>
-              <a:buChar char="ü"/>
-            </a:pPr>
-            <a:r>
-              <a:rPr lang="en-US" sz="2600" dirty="0">
-                <a:solidFill>
-                  <a:schemeClr val="accent1">
-                    <a:lumMod val="50000"/>
-                  </a:schemeClr>
-                </a:solidFill>
-                <a:latin typeface="Arial" panose="020B0604020202020204" pitchFamily="34" charset="0"/>
-                <a:cs typeface="Arial" panose="020B0604020202020204" pitchFamily="34" charset="0"/>
-              </a:rPr>
-              <a:t>Table Data &lt;td&gt;&lt;/td&gt;</a:t>
-            </a:r>
-          </a:p>
-          <a:p>
-            <a:pPr>
-              <a:buFont typeface="Wingdings" panose="05000000000000000000" pitchFamily="2" charset="2"/>
-              <a:buChar char="ü"/>
-            </a:pPr>
-            <a:r>
-              <a:rPr lang="en-US" sz="2600" dirty="0" err="1">
-                <a:solidFill>
-                  <a:schemeClr val="accent1">
-                    <a:lumMod val="50000"/>
-                  </a:schemeClr>
-                </a:solidFill>
-                <a:latin typeface="Arial" panose="020B0604020202020204" pitchFamily="34" charset="0"/>
-                <a:cs typeface="Arial" panose="020B0604020202020204" pitchFamily="34" charset="0"/>
-              </a:rPr>
-              <a:t>Colspan</a:t>
-            </a:r>
-            <a:r>
-              <a:rPr lang="en-US" sz="2600" dirty="0">
-                <a:solidFill>
-                  <a:schemeClr val="accent1">
-                    <a:lumMod val="50000"/>
-                  </a:schemeClr>
-                </a:solidFill>
-                <a:latin typeface="Arial" panose="020B0604020202020204" pitchFamily="34" charset="0"/>
-                <a:cs typeface="Arial" panose="020B0604020202020204" pitchFamily="34" charset="0"/>
-              </a:rPr>
-              <a:t> </a:t>
-            </a:r>
-            <a:r>
-              <a:rPr lang="en-US" sz="2600" dirty="0" err="1">
-                <a:solidFill>
-                  <a:schemeClr val="accent1">
-                    <a:lumMod val="50000"/>
-                  </a:schemeClr>
-                </a:solidFill>
-                <a:latin typeface="Arial" panose="020B0604020202020204" pitchFamily="34" charset="0"/>
-                <a:cs typeface="Arial" panose="020B0604020202020204" pitchFamily="34" charset="0"/>
-              </a:rPr>
-              <a:t>colspan</a:t>
-            </a:r>
-            <a:r>
-              <a:rPr lang="en-US" sz="2600" dirty="0">
-                <a:solidFill>
-                  <a:schemeClr val="accent1">
-                    <a:lumMod val="50000"/>
-                  </a:schemeClr>
-                </a:solidFill>
-                <a:latin typeface="Arial" panose="020B0604020202020204" pitchFamily="34" charset="0"/>
-                <a:cs typeface="Arial" panose="020B0604020202020204" pitchFamily="34" charset="0"/>
-              </a:rPr>
-              <a:t>=“”</a:t>
-            </a:r>
-          </a:p>
-          <a:p>
-            <a:pPr>
-              <a:buFont typeface="Wingdings" panose="05000000000000000000" pitchFamily="2" charset="2"/>
-              <a:buChar char="ü"/>
-            </a:pPr>
-            <a:r>
-              <a:rPr lang="en-US" sz="2600" dirty="0" err="1">
-                <a:solidFill>
-                  <a:schemeClr val="accent1">
-                    <a:lumMod val="50000"/>
-                  </a:schemeClr>
-                </a:solidFill>
-                <a:latin typeface="Arial" panose="020B0604020202020204" pitchFamily="34" charset="0"/>
-                <a:cs typeface="Arial" panose="020B0604020202020204" pitchFamily="34" charset="0"/>
-              </a:rPr>
-              <a:t>Rowspan</a:t>
-            </a:r>
-            <a:r>
-              <a:rPr lang="en-US" sz="2600" dirty="0">
-                <a:solidFill>
-                  <a:schemeClr val="accent1">
-                    <a:lumMod val="50000"/>
-                  </a:schemeClr>
-                </a:solidFill>
-                <a:latin typeface="Arial" panose="020B0604020202020204" pitchFamily="34" charset="0"/>
-                <a:cs typeface="Arial" panose="020B0604020202020204" pitchFamily="34" charset="0"/>
-              </a:rPr>
-              <a:t> </a:t>
-            </a:r>
-            <a:r>
-              <a:rPr lang="en-US" sz="2600" dirty="0" err="1">
-                <a:solidFill>
-                  <a:schemeClr val="accent1">
-                    <a:lumMod val="50000"/>
-                  </a:schemeClr>
-                </a:solidFill>
-                <a:latin typeface="Arial" panose="020B0604020202020204" pitchFamily="34" charset="0"/>
-                <a:cs typeface="Arial" panose="020B0604020202020204" pitchFamily="34" charset="0"/>
-              </a:rPr>
-              <a:t>rwospan</a:t>
-            </a:r>
-            <a:r>
-              <a:rPr lang="en-US" sz="2600" dirty="0">
-                <a:solidFill>
-                  <a:schemeClr val="accent1">
-                    <a:lumMod val="50000"/>
-                  </a:schemeClr>
-                </a:solidFill>
-                <a:latin typeface="Arial" panose="020B0604020202020204" pitchFamily="34" charset="0"/>
-                <a:cs typeface="Arial" panose="020B0604020202020204" pitchFamily="34" charset="0"/>
-              </a:rPr>
-              <a:t>=“”</a:t>
-            </a:r>
-          </a:p>
-          <a:p>
-            <a:pPr>
-              <a:buFont typeface="Wingdings" panose="05000000000000000000" pitchFamily="2" charset="2"/>
-              <a:buChar char="ü"/>
-            </a:pPr>
-            <a:r>
-              <a:rPr lang="en-US" sz="2600" dirty="0" err="1">
-                <a:solidFill>
-                  <a:schemeClr val="accent1">
-                    <a:lumMod val="50000"/>
-                  </a:schemeClr>
-                </a:solidFill>
-                <a:latin typeface="Arial" panose="020B0604020202020204" pitchFamily="34" charset="0"/>
-                <a:cs typeface="Arial" panose="020B0604020202020204" pitchFamily="34" charset="0"/>
-              </a:rPr>
-              <a:t>Cellspacing</a:t>
-            </a:r>
-            <a:r>
-              <a:rPr lang="en-US" sz="2600" dirty="0">
-                <a:solidFill>
-                  <a:schemeClr val="accent1">
-                    <a:lumMod val="50000"/>
-                  </a:schemeClr>
-                </a:solidFill>
-                <a:latin typeface="Arial" panose="020B0604020202020204" pitchFamily="34" charset="0"/>
-                <a:cs typeface="Arial" panose="020B0604020202020204" pitchFamily="34" charset="0"/>
-              </a:rPr>
-              <a:t>, </a:t>
-            </a:r>
-            <a:r>
-              <a:rPr lang="en-US" sz="2600" dirty="0" err="1">
-                <a:solidFill>
-                  <a:schemeClr val="accent1">
-                    <a:lumMod val="50000"/>
-                  </a:schemeClr>
-                </a:solidFill>
-                <a:latin typeface="Arial" panose="020B0604020202020204" pitchFamily="34" charset="0"/>
-                <a:cs typeface="Arial" panose="020B0604020202020204" pitchFamily="34" charset="0"/>
-              </a:rPr>
-              <a:t>Cellpadding</a:t>
-            </a:r>
-            <a:endParaRPr lang="en-US" sz="2600" dirty="0">
+              <a:t>Attributes provide additional information about the contents of an element. They appear on the opening tag of the element and are made up of two parts: a name and a value, separated by an equals sign.</a:t>
+            </a:r>
+            <a:endParaRPr lang="en-US" altLang="en-US" sz="2000" dirty="0">
               <a:solidFill>
-                <a:schemeClr val="accent1">
-                  <a:lumMod val="50000"/>
-                </a:schemeClr>
+                <a:schemeClr val="tx1"/>
               </a:solidFill>
-              <a:latin typeface="Arial" panose="020B0604020202020204" pitchFamily="34" charset="0"/>
-              <a:cs typeface="Arial" panose="020B0604020202020204" pitchFamily="34" charset="0"/>
             </a:endParaRPr>
-          </a:p>
-          <a:p>
-            <a:pPr>
-              <a:buFont typeface="Wingdings" panose="05000000000000000000" pitchFamily="2" charset="2"/>
-              <a:buChar char="ü"/>
-            </a:pPr>
-            <a:r>
-              <a:rPr lang="en-US" sz="2600" dirty="0">
-                <a:solidFill>
-                  <a:schemeClr val="accent1">
-                    <a:lumMod val="50000"/>
-                  </a:schemeClr>
-                </a:solidFill>
-                <a:latin typeface="Arial" panose="020B0604020202020204" pitchFamily="34" charset="0"/>
-                <a:cs typeface="Arial" panose="020B0604020202020204" pitchFamily="34" charset="0"/>
-              </a:rPr>
-              <a:t>Align ,Border</a:t>
-            </a:r>
-          </a:p>
-          <a:p>
-            <a:pPr>
-              <a:buFont typeface="Wingdings" panose="05000000000000000000" pitchFamily="2" charset="2"/>
-              <a:buChar char="ü"/>
-            </a:pPr>
-            <a:endParaRPr lang="en-US" sz="2600" dirty="0">
-              <a:solidFill>
-                <a:schemeClr val="accent1">
-                  <a:lumMod val="50000"/>
-                </a:schemeClr>
-              </a:solidFill>
-              <a:latin typeface="Arial" panose="020B0604020202020204" pitchFamily="34" charset="0"/>
-              <a:cs typeface="Arial" panose="020B0604020202020204" pitchFamily="34" charset="0"/>
-            </a:endParaRPr>
-          </a:p>
-          <a:p>
-            <a:pPr>
-              <a:buFont typeface="Wingdings" panose="05000000000000000000" pitchFamily="2" charset="2"/>
-              <a:buChar char="ü"/>
-            </a:pPr>
-            <a:endParaRPr lang="en-US" sz="2600" dirty="0">
-              <a:solidFill>
-                <a:schemeClr val="accent1">
-                  <a:lumMod val="50000"/>
-                </a:schemeClr>
-              </a:solidFill>
-              <a:latin typeface="Arial" panose="020B0604020202020204" pitchFamily="34" charset="0"/>
-              <a:cs typeface="Arial" panose="020B0604020202020204" pitchFamily="34" charset="0"/>
-            </a:endParaRPr>
-          </a:p>
-          <a:p>
-            <a:pPr>
-              <a:buFont typeface="Wingdings" panose="05000000000000000000" pitchFamily="2" charset="2"/>
-              <a:buChar char="ü"/>
-            </a:pPr>
-            <a:endParaRPr lang="en-US" sz="2600" dirty="0">
-              <a:solidFill>
-                <a:schemeClr val="accent1">
-                  <a:lumMod val="50000"/>
-                </a:schemeClr>
-              </a:solidFill>
-              <a:latin typeface="Arial" panose="020B0604020202020204" pitchFamily="34" charset="0"/>
-              <a:cs typeface="Arial" panose="020B0604020202020204" pitchFamily="34" charset="0"/>
-            </a:endParaRPr>
-          </a:p>
-          <a:p>
-            <a:pPr>
-              <a:buFont typeface="Wingdings" panose="05000000000000000000" pitchFamily="2" charset="2"/>
-              <a:buChar char="ü"/>
-            </a:pPr>
-            <a:endParaRPr lang="en-US" sz="2600" dirty="0"/>
           </a:p>
         </p:txBody>
       </p:sp>
     </p:spTree>
     <p:extLst>
       <p:ext uri="{BB962C8B-B14F-4D97-AF65-F5344CB8AC3E}">
-        <p14:creationId xmlns:p14="http://schemas.microsoft.com/office/powerpoint/2010/main" val="2474319099"/>
+        <p14:creationId xmlns:p14="http://schemas.microsoft.com/office/powerpoint/2010/main" val="1871686154"/>
       </p:ext>
     </p:extLst>
   </p:cSld>
@@ -9692,52 +9148,47 @@
       </p:grpSpPr>
       <p:sp>
         <p:nvSpPr>
-          <p:cNvPr id="2" name="Title 1">
-            <a:extLst>
-              <a:ext uri="{FF2B5EF4-FFF2-40B4-BE49-F238E27FC236}">
-                <a16:creationId xmlns:a16="http://schemas.microsoft.com/office/drawing/2014/main" id="{8AB14212-740B-222D-F943-630B3631C503}"/>
-              </a:ext>
-            </a:extLst>
-          </p:cNvPr>
+          <p:cNvPr id="2" name="Title 1"/>
           <p:cNvSpPr>
             <a:spLocks noGrp="1"/>
           </p:cNvSpPr>
           <p:nvPr>
             <p:ph type="title"/>
-          </p:nvPr>
-        </p:nvSpPr>
-        <p:spPr/>
-        <p:txBody>
-          <a:bodyPr/>
-          <a:lstStyle/>
-          <a:p>
-            <a:r>
-              <a:rPr lang="en-US" sz="4000" b="1" dirty="0"/>
-              <a:t>Media Tags</a:t>
-            </a:r>
-          </a:p>
-        </p:txBody>
-      </p:sp>
-      <p:sp>
-        <p:nvSpPr>
-          <p:cNvPr id="3" name="Content Placeholder 2">
-            <a:extLst>
-              <a:ext uri="{FF2B5EF4-FFF2-40B4-BE49-F238E27FC236}">
-                <a16:creationId xmlns:a16="http://schemas.microsoft.com/office/drawing/2014/main" id="{BFA31BFB-5E5D-FE87-279F-EE62B777AB11}"/>
-              </a:ext>
-            </a:extLst>
-          </p:cNvPr>
-          <p:cNvSpPr>
-            <a:spLocks noGrp="1"/>
-          </p:cNvSpPr>
-          <p:nvPr>
-            <p:ph idx="1"/>
           </p:nvPr>
         </p:nvSpPr>
         <p:spPr>
           <a:xfrm>
-            <a:off x="2589212" y="1540188"/>
-            <a:ext cx="8915400" cy="5141965"/>
+            <a:off x="2401701" y="309489"/>
+            <a:ext cx="8911687" cy="1280890"/>
+          </a:xfrm>
+        </p:spPr>
+        <p:txBody>
+          <a:bodyPr>
+            <a:normAutofit/>
+          </a:bodyPr>
+          <a:lstStyle/>
+          <a:p>
+            <a:r>
+              <a:rPr lang="en-US" sz="4000" b="1" dirty="0"/>
+              <a:t>  Html Tags</a:t>
+            </a:r>
+          </a:p>
+        </p:txBody>
+      </p:sp>
+      <p:sp>
+        <p:nvSpPr>
+          <p:cNvPr id="3" name="Content Placeholder 2"/>
+          <p:cNvSpPr>
+            <a:spLocks noGrp="1"/>
+          </p:cNvSpPr>
+          <p:nvPr>
+            <p:ph idx="1"/>
+          </p:nvPr>
+        </p:nvSpPr>
+        <p:spPr>
+          <a:xfrm>
+            <a:off x="2651206" y="2139019"/>
+            <a:ext cx="8915400" cy="3777622"/>
           </a:xfrm>
         </p:spPr>
         <p:txBody>
@@ -9751,12 +9202,12 @@
               <a:buChar char="v"/>
             </a:pPr>
             <a:r>
-              <a:rPr lang="en-US" sz="2400" b="1" dirty="0">
+              <a:rPr lang="en-US" sz="2800" dirty="0">
                 <a:solidFill>
                   <a:schemeClr val="tx1"/>
                 </a:solidFill>
               </a:rPr>
-              <a:t>Audio tag</a:t>
+              <a:t>Heading Tag &lt;h&gt;&lt;/h&gt;  h1 to h6.</a:t>
             </a:r>
           </a:p>
           <a:p>
@@ -9765,28 +9216,12 @@
               <a:buChar char="v"/>
             </a:pPr>
             <a:r>
-              <a:rPr lang="en-US" sz="2400" dirty="0">
+              <a:rPr lang="en-US" sz="2800" dirty="0">
                 <a:solidFill>
                   <a:schemeClr val="tx1"/>
                 </a:solidFill>
               </a:rPr>
-              <a:t> &lt;audio controls </a:t>
-            </a:r>
-            <a:r>
-              <a:rPr lang="en-US" sz="2400" dirty="0" err="1">
-                <a:solidFill>
-                  <a:schemeClr val="tx1"/>
-                </a:solidFill>
-              </a:rPr>
-              <a:t>autoplay</a:t>
-            </a:r>
-            <a:r>
-              <a:rPr lang="en-US" sz="2400" dirty="0">
-                <a:solidFill>
-                  <a:schemeClr val="tx1"/>
-                </a:solidFill>
-              </a:rPr>
-              <a:t>&gt;</a:t>
+              <a:t>Paragraph tag &lt;p&gt;&lt;/p&gt;</a:t>
             </a:r>
           </a:p>
           <a:p>
@@ -9795,44 +9230,12 @@
               <a:buChar char="v"/>
             </a:pPr>
             <a:r>
-              <a:rPr lang="en-US" sz="2400" dirty="0">
+              <a:rPr lang="en-US" sz="2800" dirty="0">
                 <a:solidFill>
                   <a:schemeClr val="tx1"/>
                 </a:solidFill>
               </a:rPr>
-              <a:t>        &lt;source </a:t>
-            </a:r>
-            <a:r>
-              <a:rPr lang="en-US" sz="2400" dirty="0" err="1">
-                <a:solidFill>
-                  <a:schemeClr val="tx1"/>
-                </a:solidFill>
-              </a:rPr>
-              <a:t>src</a:t>
-            </a:r>
-            <a:r>
-              <a:rPr lang="en-US" sz="2400" dirty="0">
-                <a:solidFill>
-                  <a:schemeClr val="tx1"/>
-                </a:solidFill>
-              </a:rPr>
-              <a:t>="horse.ogg" type="audio/</a:t>
-            </a:r>
-            <a:r>
-              <a:rPr lang="en-US" sz="2400" dirty="0" err="1">
-                <a:solidFill>
-                  <a:schemeClr val="tx1"/>
-                </a:solidFill>
-              </a:rPr>
-              <a:t>ogg</a:t>
-            </a:r>
-            <a:r>
-              <a:rPr lang="en-US" sz="2400" dirty="0">
-                <a:solidFill>
-                  <a:schemeClr val="tx1"/>
-                </a:solidFill>
-              </a:rPr>
-              <a:t>"&gt;</a:t>
+              <a:t>Bold tag &lt;b&gt;&lt;/b&gt;</a:t>
             </a:r>
           </a:p>
           <a:p>
@@ -9841,28 +9244,44 @@
               <a:buChar char="v"/>
             </a:pPr>
             <a:r>
-              <a:rPr lang="en-US" sz="2400" dirty="0">
+              <a:rPr lang="en-US" sz="2800" dirty="0">
                 <a:solidFill>
                   <a:schemeClr val="tx1"/>
                 </a:solidFill>
               </a:rPr>
-              <a:t>        &lt;source </a:t>
-            </a:r>
-            <a:r>
-              <a:rPr lang="en-US" sz="2400" dirty="0" err="1">
+              <a:t>Italic tag &lt;</a:t>
+            </a:r>
+            <a:r>
+              <a:rPr lang="en-US" sz="2800" dirty="0" err="1">
                 <a:solidFill>
                   <a:schemeClr val="tx1"/>
                 </a:solidFill>
               </a:rPr>
-              <a:t>src</a:t>
-            </a:r>
-            <a:r>
-              <a:rPr lang="en-US" sz="2400" dirty="0">
+              <a:t>i</a:t>
+            </a:r>
+            <a:r>
+              <a:rPr lang="en-US" sz="2800" dirty="0">
                 <a:solidFill>
                   <a:schemeClr val="tx1"/>
                 </a:solidFill>
               </a:rPr>
-              <a:t>="DuroodAudio.mp3" type="audio/mpeg"&gt;</a:t>
+              <a:t>&gt;&lt;/</a:t>
+            </a:r>
+            <a:r>
+              <a:rPr lang="en-US" sz="2800" dirty="0" err="1">
+                <a:solidFill>
+                  <a:schemeClr val="tx1"/>
+                </a:solidFill>
+              </a:rPr>
+              <a:t>i</a:t>
+            </a:r>
+            <a:r>
+              <a:rPr lang="en-US" sz="2800" dirty="0">
+                <a:solidFill>
+                  <a:schemeClr val="tx1"/>
+                </a:solidFill>
+              </a:rPr>
+              <a:t>&gt;</a:t>
             </a:r>
           </a:p>
           <a:p>
@@ -9871,12 +9290,44 @@
               <a:buChar char="v"/>
             </a:pPr>
             <a:r>
-              <a:rPr lang="en-US" sz="2400" dirty="0">
+              <a:rPr lang="en-US" sz="2800" dirty="0">
                 <a:solidFill>
                   <a:schemeClr val="tx1"/>
                 </a:solidFill>
               </a:rPr>
-              <a:t>     Your browser does not support the audio element.</a:t>
+              <a:t>Underline &lt;</a:t>
+            </a:r>
+            <a:r>
+              <a:rPr lang="en-US" sz="2800" dirty="0" err="1">
+                <a:solidFill>
+                  <a:schemeClr val="tx1"/>
+                </a:solidFill>
+              </a:rPr>
+              <a:t>ul</a:t>
+            </a:r>
+            <a:r>
+              <a:rPr lang="en-US" sz="2800" dirty="0">
+                <a:solidFill>
+                  <a:schemeClr val="tx1"/>
+                </a:solidFill>
+              </a:rPr>
+              <a:t>&gt;&lt;/</a:t>
+            </a:r>
+            <a:r>
+              <a:rPr lang="en-US" sz="2800" dirty="0" err="1">
+                <a:solidFill>
+                  <a:schemeClr val="tx1"/>
+                </a:solidFill>
+              </a:rPr>
+              <a:t>ul</a:t>
+            </a:r>
+            <a:r>
+              <a:rPr lang="en-US" sz="2800" dirty="0">
+                <a:solidFill>
+                  <a:schemeClr val="tx1"/>
+                </a:solidFill>
+              </a:rPr>
+              <a:t>&gt;</a:t>
             </a:r>
           </a:p>
           <a:p>
@@ -9885,12 +9336,12 @@
               <a:buChar char="v"/>
             </a:pPr>
             <a:r>
-              <a:rPr lang="en-US" sz="2400" dirty="0">
+              <a:rPr lang="en-US" sz="2800" dirty="0">
                 <a:solidFill>
                   <a:schemeClr val="tx1"/>
                 </a:solidFill>
               </a:rPr>
-              <a:t>  &lt;/audio&gt;</a:t>
+              <a:t>Superscript  &lt;sup&gt;&lt;/sup&gt;</a:t>
             </a:r>
           </a:p>
           <a:p>
@@ -9899,12 +9350,12 @@
               <a:buChar char="v"/>
             </a:pPr>
             <a:r>
-              <a:rPr lang="en-US" sz="2400" b="1" dirty="0">
+              <a:rPr lang="en-US" sz="2800" dirty="0">
                 <a:solidFill>
                   <a:schemeClr val="tx1"/>
                 </a:solidFill>
               </a:rPr>
-              <a:t>Video</a:t>
+              <a:t>Subscript &lt;sub&gt;&lt;/sub&gt;</a:t>
             </a:r>
           </a:p>
           <a:p>
@@ -9912,115 +9363,7 @@
               <a:buFont typeface="Wingdings" panose="05000000000000000000" pitchFamily="2" charset="2"/>
               <a:buChar char="v"/>
             </a:pPr>
-            <a:r>
-              <a:rPr lang="en-US" sz="2400" dirty="0">
-                <a:solidFill>
-                  <a:schemeClr val="tx1"/>
-                </a:solidFill>
-              </a:rPr>
-              <a:t> &lt;video </a:t>
-            </a:r>
-            <a:r>
-              <a:rPr lang="en-US" sz="2400" dirty="0" err="1">
-                <a:solidFill>
-                  <a:schemeClr val="tx1"/>
-                </a:solidFill>
-              </a:rPr>
-              <a:t>src</a:t>
-            </a:r>
-            <a:r>
-              <a:rPr lang="en-US" sz="2400" dirty="0">
-                <a:solidFill>
-                  <a:schemeClr val="tx1"/>
-                </a:solidFill>
-              </a:rPr>
-              <a:t>=“…." controls width=“…" height=“…"  loop&gt;&lt;/video&gt;</a:t>
-            </a:r>
-          </a:p>
-          <a:p>
-            <a:pPr>
-              <a:buFont typeface="Wingdings" panose="05000000000000000000" pitchFamily="2" charset="2"/>
-              <a:buChar char="v"/>
-            </a:pPr>
-            <a:r>
-              <a:rPr lang="en-US" sz="2400" b="1" dirty="0" err="1">
-                <a:solidFill>
-                  <a:schemeClr val="tx1"/>
-                </a:solidFill>
-              </a:rPr>
-              <a:t>Youtube</a:t>
-            </a:r>
-            <a:r>
-              <a:rPr lang="en-US" sz="2400" b="1" dirty="0">
-                <a:solidFill>
-                  <a:schemeClr val="tx1"/>
-                </a:solidFill>
-              </a:rPr>
-              <a:t> Videos </a:t>
-            </a:r>
-            <a:r>
-              <a:rPr lang="en-US" sz="2400" dirty="0">
-                <a:solidFill>
-                  <a:schemeClr val="tx1"/>
-                </a:solidFill>
-              </a:rPr>
-              <a:t>&lt;</a:t>
-            </a:r>
-            <a:r>
-              <a:rPr lang="en-US" sz="2400" dirty="0" err="1">
-                <a:solidFill>
-                  <a:schemeClr val="tx1"/>
-                </a:solidFill>
-              </a:rPr>
-              <a:t>iframe</a:t>
-            </a:r>
-            <a:r>
-              <a:rPr lang="en-US" sz="2400" dirty="0">
-                <a:solidFill>
-                  <a:schemeClr val="tx1"/>
-                </a:solidFill>
-              </a:rPr>
-              <a:t> </a:t>
-            </a:r>
-            <a:r>
-              <a:rPr lang="en-US" sz="2400" dirty="0" err="1">
-                <a:solidFill>
-                  <a:schemeClr val="tx1"/>
-                </a:solidFill>
-              </a:rPr>
-              <a:t>src</a:t>
-            </a:r>
-            <a:r>
-              <a:rPr lang="en-US" sz="2400" dirty="0">
-                <a:solidFill>
-                  <a:schemeClr val="tx1"/>
-                </a:solidFill>
-              </a:rPr>
-              <a:t>=“…..”&gt;&lt;/</a:t>
-            </a:r>
-            <a:r>
-              <a:rPr lang="en-US" sz="2400" dirty="0" err="1">
-                <a:solidFill>
-                  <a:schemeClr val="tx1"/>
-                </a:solidFill>
-              </a:rPr>
-              <a:t>iframe</a:t>
-            </a:r>
-            <a:r>
-              <a:rPr lang="en-US" sz="2400" dirty="0">
-                <a:solidFill>
-                  <a:schemeClr val="tx1"/>
-                </a:solidFill>
-              </a:rPr>
-              <a:t>&gt;</a:t>
-            </a:r>
-          </a:p>
-          <a:p>
-            <a:pPr>
-              <a:buFont typeface="Wingdings" panose="05000000000000000000" pitchFamily="2" charset="2"/>
-              <a:buChar char="v"/>
-            </a:pPr>
-            <a:endParaRPr lang="en-US" sz="2400" dirty="0">
+            <a:endParaRPr lang="en-US" sz="2800" dirty="0">
               <a:solidFill>
                 <a:schemeClr val="tx1"/>
               </a:solidFill>
@@ -10031,7 +9374,7 @@
     </p:spTree>
     <p:extLst>
       <p:ext uri="{BB962C8B-B14F-4D97-AF65-F5344CB8AC3E}">
-        <p14:creationId xmlns:p14="http://schemas.microsoft.com/office/powerpoint/2010/main" val="4127641190"/>
+        <p14:creationId xmlns:p14="http://schemas.microsoft.com/office/powerpoint/2010/main" val="1363379265"/>
       </p:ext>
     </p:extLst>
   </p:cSld>
@@ -10070,7 +9413,7 @@
         </p:nvSpPr>
         <p:spPr>
           <a:xfrm>
-            <a:off x="2592925" y="284475"/>
+            <a:off x="2492136" y="559800"/>
             <a:ext cx="8911687" cy="1280890"/>
           </a:xfrm>
         </p:spPr>
@@ -10081,8 +9424,8 @@
           <a:lstStyle/>
           <a:p>
             <a:r>
-              <a:rPr lang="en-US" sz="4400" b="1" dirty="0"/>
-              <a:t>FORMS</a:t>
+              <a:rPr lang="en-US" sz="4000" b="1" dirty="0"/>
+              <a:t>HTML tags</a:t>
             </a:r>
           </a:p>
         </p:txBody>
@@ -10099,8 +9442,8 @@
         </p:nvSpPr>
         <p:spPr>
           <a:xfrm>
-            <a:off x="2589212" y="1068611"/>
-            <a:ext cx="8915400" cy="5018679"/>
+            <a:off x="2488423" y="1988036"/>
+            <a:ext cx="8915400" cy="3777622"/>
           </a:xfrm>
         </p:spPr>
         <p:txBody>
@@ -10110,122 +9453,492 @@
           <a:lstStyle/>
           <a:p>
             <a:r>
-              <a:rPr lang="en-US" sz="3200" dirty="0">
-                <a:solidFill>
-                  <a:schemeClr val="accent1">
-                    <a:lumMod val="50000"/>
-                  </a:schemeClr>
-                </a:solidFill>
-                <a:latin typeface="Arial" panose="020B0604020202020204" pitchFamily="34" charset="0"/>
-                <a:cs typeface="Arial" panose="020B0604020202020204" pitchFamily="34" charset="0"/>
+              <a:rPr lang="en-US" sz="2800" dirty="0">
+                <a:solidFill>
+                  <a:schemeClr val="tx1"/>
+                </a:solidFill>
               </a:rPr>
-              <a:t>&lt;form&gt;….&lt;form&gt;</a:t>
-            </a:r>
-          </a:p>
-          <a:p>
-            <a:r>
-              <a:rPr lang="en-US" sz="3200" dirty="0">
-                <a:solidFill>
-                  <a:schemeClr val="accent1">
-                    <a:lumMod val="50000"/>
-                  </a:schemeClr>
-                </a:solidFill>
-                <a:latin typeface="Arial" panose="020B0604020202020204" pitchFamily="34" charset="0"/>
-                <a:cs typeface="Arial" panose="020B0604020202020204" pitchFamily="34" charset="0"/>
+              <a:t>Line break &lt;</a:t>
+            </a:r>
+            <a:r>
+              <a:rPr lang="en-US" sz="2800" dirty="0" err="1">
+                <a:solidFill>
+                  <a:schemeClr val="tx1"/>
+                </a:solidFill>
               </a:rPr>
-              <a:t>Action</a:t>
-            </a:r>
-          </a:p>
-          <a:p>
-            <a:r>
-              <a:rPr lang="en-US" sz="3200" dirty="0">
-                <a:solidFill>
-                  <a:schemeClr val="accent1">
-                    <a:lumMod val="50000"/>
-                  </a:schemeClr>
-                </a:solidFill>
-                <a:latin typeface="Arial" panose="020B0604020202020204" pitchFamily="34" charset="0"/>
-                <a:cs typeface="Arial" panose="020B0604020202020204" pitchFamily="34" charset="0"/>
+              <a:t>br</a:t>
+            </a:r>
+            <a:r>
+              <a:rPr lang="en-US" sz="2800" dirty="0">
+                <a:solidFill>
+                  <a:schemeClr val="tx1"/>
+                </a:solidFill>
               </a:rPr>
-              <a:t>Input </a:t>
-            </a:r>
-          </a:p>
-          <a:p>
-            <a:r>
-              <a:rPr lang="en-US" sz="3200" dirty="0">
-                <a:solidFill>
-                  <a:schemeClr val="accent1">
-                    <a:lumMod val="50000"/>
-                  </a:schemeClr>
-                </a:solidFill>
-                <a:latin typeface="Arial" panose="020B0604020202020204" pitchFamily="34" charset="0"/>
-                <a:cs typeface="Arial" panose="020B0604020202020204" pitchFamily="34" charset="0"/>
+              <a:t> /&gt; </a:t>
+            </a:r>
+            <a:r>
+              <a:rPr lang="en-US" sz="2800" b="1" dirty="0">
+                <a:solidFill>
+                  <a:schemeClr val="tx1"/>
+                </a:solidFill>
               </a:rPr>
-              <a:t>Text,number,checkbox,radio</a:t>
-            </a:r>
-          </a:p>
-          <a:p>
-            <a:r>
-              <a:rPr lang="en-US" sz="3200" dirty="0">
-                <a:solidFill>
-                  <a:schemeClr val="accent1">
-                    <a:lumMod val="50000"/>
-                  </a:schemeClr>
-                </a:solidFill>
-                <a:latin typeface="Arial" panose="020B0604020202020204" pitchFamily="34" charset="0"/>
-                <a:cs typeface="Arial" panose="020B0604020202020204" pitchFamily="34" charset="0"/>
+              <a:t>This tag has no content</a:t>
+            </a:r>
+            <a:r>
+              <a:rPr lang="en-US" sz="2800" dirty="0">
+                <a:solidFill>
+                  <a:schemeClr val="tx1"/>
+                </a:solidFill>
               </a:rPr>
-              <a:t>Text area,</a:t>
-            </a:r>
-          </a:p>
-          <a:p>
-            <a:r>
-              <a:rPr lang="en-US" sz="3200" dirty="0">
-                <a:solidFill>
-                  <a:schemeClr val="accent1">
-                    <a:lumMod val="50000"/>
-                  </a:schemeClr>
-                </a:solidFill>
-                <a:latin typeface="Arial" panose="020B0604020202020204" pitchFamily="34" charset="0"/>
-                <a:cs typeface="Arial" panose="020B0604020202020204" pitchFamily="34" charset="0"/>
+              <a:t>, so it is self closing.</a:t>
+            </a:r>
+          </a:p>
+          <a:p>
+            <a:r>
+              <a:rPr lang="en-US" sz="2800" dirty="0">
+                <a:solidFill>
+                  <a:schemeClr val="tx1"/>
+                </a:solidFill>
               </a:rPr>
-              <a:t>Select options</a:t>
-            </a:r>
-          </a:p>
-          <a:p>
-            <a:r>
-              <a:rPr lang="en-US" sz="3200" dirty="0">
-                <a:solidFill>
-                  <a:schemeClr val="accent1">
-                    <a:lumMod val="50000"/>
-                  </a:schemeClr>
-                </a:solidFill>
-                <a:latin typeface="Arial" panose="020B0604020202020204" pitchFamily="34" charset="0"/>
-                <a:cs typeface="Arial" panose="020B0604020202020204" pitchFamily="34" charset="0"/>
+              <a:t>Horizontal Line &lt;</a:t>
+            </a:r>
+            <a:r>
+              <a:rPr lang="en-US" sz="2800" dirty="0" err="1">
+                <a:solidFill>
+                  <a:schemeClr val="tx1"/>
+                </a:solidFill>
               </a:rPr>
-              <a:t>Name ,Label, Id</a:t>
-            </a:r>
-          </a:p>
-          <a:p>
-            <a:r>
-              <a:rPr lang="en-US" sz="3200" dirty="0">
-                <a:solidFill>
-                  <a:schemeClr val="accent1">
-                    <a:lumMod val="50000"/>
-                  </a:schemeClr>
-                </a:solidFill>
-                <a:latin typeface="Arial" panose="020B0604020202020204" pitchFamily="34" charset="0"/>
-                <a:cs typeface="Arial" panose="020B0604020202020204" pitchFamily="34" charset="0"/>
+              <a:t>hr</a:t>
+            </a:r>
+            <a:r>
+              <a:rPr lang="en-US" sz="2800" dirty="0">
+                <a:solidFill>
+                  <a:schemeClr val="tx1"/>
+                </a:solidFill>
               </a:rPr>
-              <a:t>Submit ,Reset</a:t>
-            </a:r>
+              <a:t> /&gt;</a:t>
+            </a:r>
+          </a:p>
+          <a:p>
+            <a:r>
+              <a:rPr lang="en-US" sz="2800" dirty="0">
+                <a:solidFill>
+                  <a:schemeClr val="tx1"/>
+                </a:solidFill>
+              </a:rPr>
+              <a:t>Links &lt;a href=“https:www.google.com” target=“’ &gt;&lt;/a&gt;</a:t>
+            </a:r>
+          </a:p>
+          <a:p>
+            <a:r>
+              <a:rPr lang="en-US" sz="2800" dirty="0">
+                <a:solidFill>
+                  <a:schemeClr val="tx1"/>
+                </a:solidFill>
+              </a:rPr>
+              <a:t>An unvisited link is underlined and blue</a:t>
+            </a:r>
+          </a:p>
+          <a:p>
+            <a:r>
+              <a:rPr lang="en-US" sz="2800" dirty="0">
+                <a:solidFill>
+                  <a:schemeClr val="tx1"/>
+                </a:solidFill>
+              </a:rPr>
+              <a:t>A visited link is underlined and purple</a:t>
+            </a:r>
+          </a:p>
+          <a:p>
+            <a:r>
+              <a:rPr lang="en-US" sz="2800" dirty="0">
+                <a:solidFill>
+                  <a:schemeClr val="tx1"/>
+                </a:solidFill>
+              </a:rPr>
+              <a:t>An active link is underlined and red</a:t>
+            </a:r>
+          </a:p>
+          <a:p>
+            <a:endParaRPr lang="en-US" sz="2800" dirty="0">
+              <a:solidFill>
+                <a:schemeClr val="tx1"/>
+              </a:solidFill>
+            </a:endParaRPr>
+          </a:p>
+          <a:p>
+            <a:endParaRPr lang="en-US" sz="2800" dirty="0">
+              <a:solidFill>
+                <a:schemeClr val="tx1"/>
+              </a:solidFill>
+            </a:endParaRPr>
           </a:p>
         </p:txBody>
       </p:sp>
     </p:spTree>
     <p:extLst>
       <p:ext uri="{BB962C8B-B14F-4D97-AF65-F5344CB8AC3E}">
-        <p14:creationId xmlns:p14="http://schemas.microsoft.com/office/powerpoint/2010/main" val="585776517"/>
+        <p14:creationId xmlns:p14="http://schemas.microsoft.com/office/powerpoint/2010/main" val="3095889622"/>
+      </p:ext>
+    </p:extLst>
+  </p:cSld>
+  <p:clrMapOvr>
+    <a:masterClrMapping/>
+  </p:clrMapOvr>
+</p:sld>
+</file>
+
+<file path=ppt/slides/slide8.xml><?xml version="1.0" encoding="utf-8"?>
+<p:sld xmlns:a="http://schemas.openxmlformats.org/drawingml/2006/main" xmlns:r="http://schemas.openxmlformats.org/officeDocument/2006/relationships" xmlns:p="http://schemas.openxmlformats.org/presentationml/2006/main">
+  <p:cSld>
+    <p:spTree>
+      <p:nvGrpSpPr>
+        <p:cNvPr id="1" name=""/>
+        <p:cNvGrpSpPr/>
+        <p:nvPr/>
+      </p:nvGrpSpPr>
+      <p:grpSpPr>
+        <a:xfrm>
+          <a:off x="0" y="0"/>
+          <a:ext cx="0" cy="0"/>
+          <a:chOff x="0" y="0"/>
+          <a:chExt cx="0" cy="0"/>
+        </a:xfrm>
+      </p:grpSpPr>
+      <p:sp>
+        <p:nvSpPr>
+          <p:cNvPr id="2" name="Title 1">
+            <a:extLst>
+              <a:ext uri="{FF2B5EF4-FFF2-40B4-BE49-F238E27FC236}">
+                <a16:creationId xmlns:a16="http://schemas.microsoft.com/office/drawing/2014/main" id="{8AB14212-740B-222D-F943-630B3631C503}"/>
+              </a:ext>
+            </a:extLst>
+          </p:cNvPr>
+          <p:cNvSpPr>
+            <a:spLocks noGrp="1"/>
+          </p:cNvSpPr>
+          <p:nvPr>
+            <p:ph type="title"/>
+          </p:nvPr>
+        </p:nvSpPr>
+        <p:spPr/>
+        <p:txBody>
+          <a:bodyPr/>
+          <a:lstStyle/>
+          <a:p>
+            <a:r>
+              <a:rPr lang="en-US" sz="4000" b="1" dirty="0"/>
+              <a:t>Media Tags</a:t>
+            </a:r>
+          </a:p>
+        </p:txBody>
+      </p:sp>
+      <p:sp>
+        <p:nvSpPr>
+          <p:cNvPr id="3" name="Content Placeholder 2">
+            <a:extLst>
+              <a:ext uri="{FF2B5EF4-FFF2-40B4-BE49-F238E27FC236}">
+                <a16:creationId xmlns:a16="http://schemas.microsoft.com/office/drawing/2014/main" id="{BFA31BFB-5E5D-FE87-279F-EE62B777AB11}"/>
+              </a:ext>
+            </a:extLst>
+          </p:cNvPr>
+          <p:cNvSpPr>
+            <a:spLocks noGrp="1"/>
+          </p:cNvSpPr>
+          <p:nvPr>
+            <p:ph idx="1"/>
+          </p:nvPr>
+        </p:nvSpPr>
+        <p:spPr>
+          <a:xfrm>
+            <a:off x="2589212" y="1540189"/>
+            <a:ext cx="8915400" cy="3777622"/>
+          </a:xfrm>
+        </p:spPr>
+        <p:txBody>
+          <a:bodyPr>
+            <a:noAutofit/>
+          </a:bodyPr>
+          <a:lstStyle/>
+          <a:p>
+            <a:pPr>
+              <a:buFont typeface="Wingdings" panose="05000000000000000000" pitchFamily="2" charset="2"/>
+              <a:buChar char="v"/>
+            </a:pPr>
+            <a:r>
+              <a:rPr lang="en-US" sz="2400" dirty="0">
+                <a:solidFill>
+                  <a:schemeClr val="tx1"/>
+                </a:solidFill>
+              </a:rPr>
+              <a:t>Audio tag</a:t>
+            </a:r>
+          </a:p>
+          <a:p>
+            <a:pPr>
+              <a:buFont typeface="Wingdings" panose="05000000000000000000" pitchFamily="2" charset="2"/>
+              <a:buChar char="v"/>
+            </a:pPr>
+            <a:r>
+              <a:rPr lang="en-US" sz="2400" dirty="0">
+                <a:solidFill>
+                  <a:schemeClr val="tx1"/>
+                </a:solidFill>
+              </a:rPr>
+              <a:t> &lt;audio controls </a:t>
+            </a:r>
+            <a:r>
+              <a:rPr lang="en-US" sz="2400" dirty="0" err="1">
+                <a:solidFill>
+                  <a:schemeClr val="tx1"/>
+                </a:solidFill>
+              </a:rPr>
+              <a:t>autoplay</a:t>
+            </a:r>
+            <a:r>
+              <a:rPr lang="en-US" sz="2400" dirty="0">
+                <a:solidFill>
+                  <a:schemeClr val="tx1"/>
+                </a:solidFill>
+              </a:rPr>
+              <a:t>&gt;</a:t>
+            </a:r>
+          </a:p>
+          <a:p>
+            <a:pPr>
+              <a:buFont typeface="Wingdings" panose="05000000000000000000" pitchFamily="2" charset="2"/>
+              <a:buChar char="v"/>
+            </a:pPr>
+            <a:r>
+              <a:rPr lang="en-US" sz="2400" dirty="0">
+                <a:solidFill>
+                  <a:schemeClr val="tx1"/>
+                </a:solidFill>
+              </a:rPr>
+              <a:t>        &lt;source </a:t>
+            </a:r>
+            <a:r>
+              <a:rPr lang="en-US" sz="2400" dirty="0" err="1">
+                <a:solidFill>
+                  <a:schemeClr val="tx1"/>
+                </a:solidFill>
+              </a:rPr>
+              <a:t>src</a:t>
+            </a:r>
+            <a:r>
+              <a:rPr lang="en-US" sz="2400" dirty="0">
+                <a:solidFill>
+                  <a:schemeClr val="tx1"/>
+                </a:solidFill>
+              </a:rPr>
+              <a:t>="horse.ogg" type="audio/</a:t>
+            </a:r>
+            <a:r>
+              <a:rPr lang="en-US" sz="2400" dirty="0" err="1">
+                <a:solidFill>
+                  <a:schemeClr val="tx1"/>
+                </a:solidFill>
+              </a:rPr>
+              <a:t>ogg</a:t>
+            </a:r>
+            <a:r>
+              <a:rPr lang="en-US" sz="2400" dirty="0">
+                <a:solidFill>
+                  <a:schemeClr val="tx1"/>
+                </a:solidFill>
+              </a:rPr>
+              <a:t>"&gt;</a:t>
+            </a:r>
+          </a:p>
+          <a:p>
+            <a:pPr>
+              <a:buFont typeface="Wingdings" panose="05000000000000000000" pitchFamily="2" charset="2"/>
+              <a:buChar char="v"/>
+            </a:pPr>
+            <a:r>
+              <a:rPr lang="en-US" sz="2400" dirty="0">
+                <a:solidFill>
+                  <a:schemeClr val="tx1"/>
+                </a:solidFill>
+              </a:rPr>
+              <a:t>        &lt;source </a:t>
+            </a:r>
+            <a:r>
+              <a:rPr lang="en-US" sz="2400" dirty="0" err="1">
+                <a:solidFill>
+                  <a:schemeClr val="tx1"/>
+                </a:solidFill>
+              </a:rPr>
+              <a:t>src</a:t>
+            </a:r>
+            <a:r>
+              <a:rPr lang="en-US" sz="2400" dirty="0">
+                <a:solidFill>
+                  <a:schemeClr val="tx1"/>
+                </a:solidFill>
+              </a:rPr>
+              <a:t>="DuroodAudio.mp3" type="audio/mpeg"&gt;</a:t>
+            </a:r>
+          </a:p>
+          <a:p>
+            <a:pPr>
+              <a:buFont typeface="Wingdings" panose="05000000000000000000" pitchFamily="2" charset="2"/>
+              <a:buChar char="v"/>
+            </a:pPr>
+            <a:r>
+              <a:rPr lang="en-US" sz="2400" dirty="0">
+                <a:solidFill>
+                  <a:schemeClr val="tx1"/>
+                </a:solidFill>
+              </a:rPr>
+              <a:t>     Your browser does not support the audio element.</a:t>
+            </a:r>
+          </a:p>
+          <a:p>
+            <a:pPr>
+              <a:buFont typeface="Wingdings" panose="05000000000000000000" pitchFamily="2" charset="2"/>
+              <a:buChar char="v"/>
+            </a:pPr>
+            <a:r>
+              <a:rPr lang="en-US" sz="2400" dirty="0">
+                <a:solidFill>
+                  <a:schemeClr val="tx1"/>
+                </a:solidFill>
+              </a:rPr>
+              <a:t>  &lt;/audio&gt;</a:t>
+            </a:r>
+          </a:p>
+          <a:p>
+            <a:pPr>
+              <a:buFont typeface="Wingdings" panose="05000000000000000000" pitchFamily="2" charset="2"/>
+              <a:buChar char="v"/>
+            </a:pPr>
+            <a:r>
+              <a:rPr lang="en-US" sz="2400" dirty="0">
+                <a:solidFill>
+                  <a:schemeClr val="tx1"/>
+                </a:solidFill>
+              </a:rPr>
+              <a:t>Video</a:t>
+            </a:r>
+          </a:p>
+          <a:p>
+            <a:pPr>
+              <a:buFont typeface="Wingdings" panose="05000000000000000000" pitchFamily="2" charset="2"/>
+              <a:buChar char="v"/>
+            </a:pPr>
+            <a:r>
+              <a:rPr lang="en-US" sz="2400" dirty="0">
+                <a:solidFill>
+                  <a:schemeClr val="tx1"/>
+                </a:solidFill>
+              </a:rPr>
+              <a:t> &lt;video </a:t>
+            </a:r>
+            <a:r>
+              <a:rPr lang="en-US" sz="2400" dirty="0" err="1">
+                <a:solidFill>
+                  <a:schemeClr val="tx1"/>
+                </a:solidFill>
+              </a:rPr>
+              <a:t>src</a:t>
+            </a:r>
+            <a:r>
+              <a:rPr lang="en-US" sz="2400" dirty="0">
+                <a:solidFill>
+                  <a:schemeClr val="tx1"/>
+                </a:solidFill>
+              </a:rPr>
+              <a:t>=“…." controls width=“…" height=“…"  loop&gt;&lt;/video&gt;</a:t>
+            </a:r>
+          </a:p>
+          <a:p>
+            <a:pPr>
+              <a:buFont typeface="Wingdings" panose="05000000000000000000" pitchFamily="2" charset="2"/>
+              <a:buChar char="v"/>
+            </a:pPr>
+            <a:r>
+              <a:rPr lang="en-US" sz="2400" dirty="0" err="1">
+                <a:solidFill>
+                  <a:schemeClr val="tx1"/>
+                </a:solidFill>
+              </a:rPr>
+              <a:t>Youtube</a:t>
+            </a:r>
+            <a:r>
+              <a:rPr lang="en-US" sz="2400" dirty="0">
+                <a:solidFill>
+                  <a:schemeClr val="tx1"/>
+                </a:solidFill>
+              </a:rPr>
+              <a:t> Videos &lt;</a:t>
+            </a:r>
+            <a:r>
+              <a:rPr lang="en-US" sz="2400" dirty="0" err="1">
+                <a:solidFill>
+                  <a:schemeClr val="tx1"/>
+                </a:solidFill>
+              </a:rPr>
+              <a:t>iframe</a:t>
+            </a:r>
+            <a:r>
+              <a:rPr lang="en-US" sz="2400" dirty="0">
+                <a:solidFill>
+                  <a:schemeClr val="tx1"/>
+                </a:solidFill>
+              </a:rPr>
+              <a:t> </a:t>
+            </a:r>
+            <a:r>
+              <a:rPr lang="en-US" sz="2400" dirty="0" err="1">
+                <a:solidFill>
+                  <a:schemeClr val="tx1"/>
+                </a:solidFill>
+              </a:rPr>
+              <a:t>src</a:t>
+            </a:r>
+            <a:r>
+              <a:rPr lang="en-US" sz="2400" dirty="0">
+                <a:solidFill>
+                  <a:schemeClr val="tx1"/>
+                </a:solidFill>
+              </a:rPr>
+              <a:t>=“…..”&gt;&lt;/</a:t>
+            </a:r>
+            <a:r>
+              <a:rPr lang="en-US" sz="2400" dirty="0" err="1">
+                <a:solidFill>
+                  <a:schemeClr val="tx1"/>
+                </a:solidFill>
+              </a:rPr>
+              <a:t>iframe</a:t>
+            </a:r>
+            <a:r>
+              <a:rPr lang="en-US" sz="2400" dirty="0">
+                <a:solidFill>
+                  <a:schemeClr val="tx1"/>
+                </a:solidFill>
+              </a:rPr>
+              <a:t>&gt;</a:t>
+            </a:r>
+          </a:p>
+          <a:p>
+            <a:pPr>
+              <a:buFont typeface="Wingdings" panose="05000000000000000000" pitchFamily="2" charset="2"/>
+              <a:buChar char="v"/>
+            </a:pPr>
+            <a:endParaRPr lang="en-US" sz="2400" dirty="0">
+              <a:solidFill>
+                <a:schemeClr val="tx1"/>
+              </a:solidFill>
+            </a:endParaRPr>
+          </a:p>
+        </p:txBody>
+      </p:sp>
+    </p:spTree>
+    <p:extLst>
+      <p:ext uri="{BB962C8B-B14F-4D97-AF65-F5344CB8AC3E}">
+        <p14:creationId xmlns:p14="http://schemas.microsoft.com/office/powerpoint/2010/main" val="4127641190"/>
       </p:ext>
     </p:extLst>
   </p:cSld>
@@ -10238,7 +9951,7 @@
 <file path=ppt/theme/theme1.xml><?xml version="1.0" encoding="utf-8"?>
 <a:theme xmlns:a="http://schemas.openxmlformats.org/drawingml/2006/main" name="Wisp">
   <a:themeElements>
-    <a:clrScheme name="Blue Warm">
+    <a:clrScheme name="Blue">
       <a:dk1>
         <a:sysClr val="windowText" lastClr="000000"/>
       </a:dk1>
@@ -10246,34 +9959,34 @@
         <a:sysClr val="window" lastClr="FFFFFF"/>
       </a:lt1>
       <a:dk2>
-        <a:srgbClr val="242852"/>
+        <a:srgbClr val="17406D"/>
       </a:dk2>
       <a:lt2>
-        <a:srgbClr val="ACCBF9"/>
+        <a:srgbClr val="DBEFF9"/>
       </a:lt2>
       <a:accent1>
-        <a:srgbClr val="4A66AC"/>
+        <a:srgbClr val="0F6FC6"/>
       </a:accent1>
       <a:accent2>
-        <a:srgbClr val="629DD1"/>
+        <a:srgbClr val="009DD9"/>
       </a:accent2>
       <a:accent3>
-        <a:srgbClr val="297FD5"/>
+        <a:srgbClr val="0BD0D9"/>
       </a:accent3>
       <a:accent4>
-        <a:srgbClr val="7F8FA9"/>
+        <a:srgbClr val="10CF9B"/>
       </a:accent4>
       <a:accent5>
-        <a:srgbClr val="5AA2AE"/>
+        <a:srgbClr val="7CCA62"/>
       </a:accent5>
       <a:accent6>
-        <a:srgbClr val="9D90A0"/>
+        <a:srgbClr val="A5C249"/>
       </a:accent6>
       <a:hlink>
-        <a:srgbClr val="9454C3"/>
+        <a:srgbClr val="F49100"/>
       </a:hlink>
       <a:folHlink>
-        <a:srgbClr val="3EBBF0"/>
+        <a:srgbClr val="85DFD0"/>
       </a:folHlink>
     </a:clrScheme>
     <a:fontScheme name="Wisp">
@@ -10774,6 +10487,23 @@
 </file>
 
 <file path=customXml/item1.xml><?xml version="1.0" encoding="utf-8"?>
+<?mso-contentType ?>
+<FormTemplates xmlns="http://schemas.microsoft.com/sharepoint/v3/contenttype/forms">
+  <Display>DocumentLibraryForm</Display>
+  <Edit>DocumentLibraryForm</Edit>
+  <New>DocumentLibraryForm</New>
+</FormTemplates>
+</file>
+
+<file path=customXml/item2.xml><?xml version="1.0" encoding="utf-8"?>
+<p:properties xmlns:p="http://schemas.microsoft.com/office/2006/metadata/properties" xmlns:xsi="http://www.w3.org/2001/XMLSchema-instance" xmlns:pc="http://schemas.microsoft.com/office/infopath/2007/PartnerControls">
+  <documentManagement>
+    <MediaServiceKeyPoints xmlns="71af3243-3dd4-4a8d-8c0d-dd76da1f02a5" xsi:nil="true"/>
+  </documentManagement>
+</p:properties>
+</file>
+
+<file path=customXml/item3.xml><?xml version="1.0" encoding="utf-8"?>
 <ct:contentTypeSchema xmlns:ct="http://schemas.microsoft.com/office/2006/metadata/contentType" xmlns:ma="http://schemas.microsoft.com/office/2006/metadata/properties/metaAttributes" ct:_="" ma:_="" ma:contentTypeName="Document" ma:contentTypeID="0x01010079F111ED35F8CC479449609E8A0923A6" ma:contentTypeVersion="11" ma:contentTypeDescription="Create a new document." ma:contentTypeScope="" ma:versionID="9677210f24a1be23c92c90fd886aa0aa">
   <xsd:schema xmlns:xsd="http://www.w3.org/2001/XMLSchema" xmlns:xs="http://www.w3.org/2001/XMLSchema" xmlns:p="http://schemas.microsoft.com/office/2006/metadata/properties" xmlns:ns2="71af3243-3dd4-4a8d-8c0d-dd76da1f02a5" xmlns:ns3="16c05727-aa75-4e4a-9b5f-8a80a1165891" targetNamespace="http://schemas.microsoft.com/office/2006/metadata/properties" ma:root="true" ma:fieldsID="60e05723c5c1908df1a1a4ebf11d344e" ns2:_="" ns3:_="">
     <xsd:import namespace="71af3243-3dd4-4a8d-8c0d-dd76da1f02a5"/>
@@ -10984,24 +10714,25 @@
 </ct:contentTypeSchema>
 </file>
 
-<file path=customXml/item2.xml><?xml version="1.0" encoding="utf-8"?>
-<?mso-contentType ?>
-<FormTemplates xmlns="http://schemas.microsoft.com/sharepoint/v3/contenttype/forms">
-  <Display>DocumentLibraryForm</Display>
-  <Edit>DocumentLibraryForm</Edit>
-  <New>DocumentLibraryForm</New>
-</FormTemplates>
+<file path=customXml/itemProps1.xml><?xml version="1.0" encoding="utf-8"?>
+<ds:datastoreItem xmlns:ds="http://schemas.openxmlformats.org/officeDocument/2006/customXml" ds:itemID="{10BEB954-4024-4CCF-A9D6-4C00FDC028D9}">
+  <ds:schemaRefs>
+    <ds:schemaRef ds:uri="http://schemas.microsoft.com/sharepoint/v3/contenttype/forms"/>
+  </ds:schemaRefs>
+</ds:datastoreItem>
 </file>
 
-<file path=customXml/item3.xml><?xml version="1.0" encoding="utf-8"?>
-<p:properties xmlns:p="http://schemas.microsoft.com/office/2006/metadata/properties" xmlns:xsi="http://www.w3.org/2001/XMLSchema-instance" xmlns:pc="http://schemas.microsoft.com/office/infopath/2007/PartnerControls">
-  <documentManagement>
-    <MediaServiceKeyPoints xmlns="71af3243-3dd4-4a8d-8c0d-dd76da1f02a5" xsi:nil="true"/>
-  </documentManagement>
-</p:properties>
+<file path=customXml/itemProps2.xml><?xml version="1.0" encoding="utf-8"?>
+<ds:datastoreItem xmlns:ds="http://schemas.openxmlformats.org/officeDocument/2006/customXml" ds:itemID="{4710EE66-8707-456F-8F2E-091D581CB030}">
+  <ds:schemaRefs>
+    <ds:schemaRef ds:uri="http://schemas.microsoft.com/office/2006/metadata/properties"/>
+    <ds:schemaRef ds:uri="http://schemas.microsoft.com/office/infopath/2007/PartnerControls"/>
+    <ds:schemaRef ds:uri="71af3243-3dd4-4a8d-8c0d-dd76da1f02a5"/>
+  </ds:schemaRefs>
+</ds:datastoreItem>
 </file>
 
-<file path=customXml/itemProps1.xml><?xml version="1.0" encoding="utf-8"?>
+<file path=customXml/itemProps3.xml><?xml version="1.0" encoding="utf-8"?>
 <ds:datastoreItem xmlns:ds="http://schemas.openxmlformats.org/officeDocument/2006/customXml" ds:itemID="{AB96CC85-5758-41C0-8EFD-737AFB69121D}">
   <ds:schemaRefs>
     <ds:schemaRef ds:uri="http://schemas.microsoft.com/office/2006/metadata/contentType"/>
@@ -11018,29 +10749,4 @@
     <ds:schemaRef ds:uri="http://schemas.microsoft.com/internal/obd"/>
   </ds:schemaRefs>
 </ds:datastoreItem>
-</file>
-
-<file path=customXml/itemProps2.xml><?xml version="1.0" encoding="utf-8"?>
-<ds:datastoreItem xmlns:ds="http://schemas.openxmlformats.org/officeDocument/2006/customXml" ds:itemID="{10BEB954-4024-4CCF-A9D6-4C00FDC028D9}">
-  <ds:schemaRefs>
-    <ds:schemaRef ds:uri="http://schemas.microsoft.com/sharepoint/v3/contenttype/forms"/>
-  </ds:schemaRefs>
-</ds:datastoreItem>
-</file>
-
-<file path=customXml/itemProps3.xml><?xml version="1.0" encoding="utf-8"?>
-<ds:datastoreItem xmlns:ds="http://schemas.openxmlformats.org/officeDocument/2006/customXml" ds:itemID="{4710EE66-8707-456F-8F2E-091D581CB030}">
-  <ds:schemaRefs>
-    <ds:schemaRef ds:uri="http://schemas.openxmlformats.org/package/2006/metadata/core-properties"/>
-    <ds:schemaRef ds:uri="http://schemas.microsoft.com/office/2006/documentManagement/types"/>
-    <ds:schemaRef ds:uri="http://purl.org/dc/dcmitype/"/>
-    <ds:schemaRef ds:uri="71af3243-3dd4-4a8d-8c0d-dd76da1f02a5"/>
-    <ds:schemaRef ds:uri="http://schemas.microsoft.com/office/infopath/2007/PartnerControls"/>
-    <ds:schemaRef ds:uri="16c05727-aa75-4e4a-9b5f-8a80a1165891"/>
-    <ds:schemaRef ds:uri="http://purl.org/dc/elements/1.1/"/>
-    <ds:schemaRef ds:uri="http://schemas.microsoft.com/office/2006/metadata/properties"/>
-    <ds:schemaRef ds:uri="http://www.w3.org/XML/1998/namespace"/>
-    <ds:schemaRef ds:uri="http://purl.org/dc/terms/"/>
-  </ds:schemaRefs>
-</ds:datastoreItem>
 </file>
--- a/Presentations/HTML Class 02.pptx
+++ b/Presentations/HTML Class 02.pptx
@@ -204,7 +204,7 @@
           <a:p>
             <a:fld id="{EDE0A0D5-8F98-4CC1-A28E-021F0B6B475C}" type="datetimeFigureOut">
               <a:rPr lang="en-US" smtClean="0"/>
-              <a:t>11/29/2022</a:t>
+              <a:t>1/29/2023</a:t>
             </a:fld>
             <a:endParaRPr lang="en-US" dirty="0"/>
           </a:p>
@@ -659,7 +659,7 @@
           <a:p>
             <a:fld id="{3A750590-9F9A-443B-9295-A3931D8194B1}" type="datetime1">
               <a:rPr lang="en-US" smtClean="0"/>
-              <a:t>11/29/2022</a:t>
+              <a:t>1/29/2023</a:t>
             </a:fld>
             <a:endParaRPr lang="en-US" dirty="0"/>
           </a:p>
@@ -997,7 +997,7 @@
           <a:p>
             <a:fld id="{D9359126-4846-4E88-BDD9-5585CC877E47}" type="datetime1">
               <a:rPr lang="en-US" smtClean="0"/>
-              <a:t>11/29/2022</a:t>
+              <a:t>1/29/2023</a:t>
             </a:fld>
             <a:endParaRPr lang="en-US" dirty="0"/>
           </a:p>
@@ -1400,7 +1400,7 @@
           <a:p>
             <a:fld id="{D9359126-4846-4E88-BDD9-5585CC877E47}" type="datetime1">
               <a:rPr lang="en-US" smtClean="0"/>
-              <a:t>11/29/2022</a:t>
+              <a:t>1/29/2023</a:t>
             </a:fld>
             <a:endParaRPr lang="en-US" dirty="0"/>
           </a:p>
@@ -1738,7 +1738,7 @@
           <a:p>
             <a:fld id="{D9359126-4846-4E88-BDD9-5585CC877E47}" type="datetime1">
               <a:rPr lang="en-US" smtClean="0"/>
-              <a:t>11/29/2022</a:t>
+              <a:t>1/29/2023</a:t>
             </a:fld>
             <a:endParaRPr lang="en-US" dirty="0"/>
           </a:p>
@@ -2060,7 +2060,7 @@
           <a:p>
             <a:fld id="{D9359126-4846-4E88-BDD9-5585CC877E47}" type="datetime1">
               <a:rPr lang="en-US" smtClean="0"/>
-              <a:t>11/29/2022</a:t>
+              <a:t>1/29/2023</a:t>
             </a:fld>
             <a:endParaRPr lang="en-US" dirty="0"/>
           </a:p>
@@ -2458,7 +2458,7 @@
           <a:p>
             <a:fld id="{D9359126-4846-4E88-BDD9-5585CC877E47}" type="datetime1">
               <a:rPr lang="en-US" smtClean="0"/>
-              <a:t>11/29/2022</a:t>
+              <a:t>1/29/2023</a:t>
             </a:fld>
             <a:endParaRPr lang="en-US" dirty="0"/>
           </a:p>
@@ -2717,7 +2717,7 @@
           <a:p>
             <a:fld id="{1F96F347-1B2F-4097-AEB5-4A26FB45D67A}" type="datetime1">
               <a:rPr lang="en-US" smtClean="0"/>
-              <a:t>11/29/2022</a:t>
+              <a:t>1/29/2023</a:t>
             </a:fld>
             <a:endParaRPr lang="en-US" dirty="0"/>
           </a:p>
@@ -2979,7 +2979,7 @@
           <a:p>
             <a:fld id="{8CC1DEE0-34E5-4E0F-BEC1-4B8835F82CD1}" type="datetime1">
               <a:rPr lang="en-US" smtClean="0"/>
-              <a:t>11/29/2022</a:t>
+              <a:t>1/29/2023</a:t>
             </a:fld>
             <a:endParaRPr lang="en-US" dirty="0"/>
           </a:p>
@@ -3241,7 +3241,7 @@
           <a:p>
             <a:fld id="{3B75B4BE-627A-4EC1-99E1-6F1AA97AB802}" type="datetime1">
               <a:rPr lang="en-US" smtClean="0"/>
-              <a:t>11/29/2022</a:t>
+              <a:t>1/29/2023</a:t>
             </a:fld>
             <a:endParaRPr lang="en-US" dirty="0"/>
           </a:p>
@@ -3570,7 +3570,7 @@
           <a:p>
             <a:fld id="{78BFACF8-E63D-4673-A128-83547867BB7A}" type="datetime1">
               <a:rPr lang="en-US" smtClean="0"/>
-              <a:t>11/29/2022</a:t>
+              <a:t>1/29/2023</a:t>
             </a:fld>
             <a:endParaRPr lang="en-US" dirty="0"/>
           </a:p>
@@ -3893,7 +3893,7 @@
           <a:p>
             <a:fld id="{15BED6AC-4FBA-40BD-BE75-20DB64DA4BAD}" type="datetime1">
               <a:rPr lang="en-US" smtClean="0"/>
-              <a:t>11/29/2022</a:t>
+              <a:t>1/29/2023</a:t>
             </a:fld>
             <a:endParaRPr lang="en-US" dirty="0"/>
           </a:p>
@@ -4350,7 +4350,7 @@
           <a:p>
             <a:fld id="{3F933C87-D201-458A-93C0-8EDD9AC92D93}" type="datetime1">
               <a:rPr lang="en-US" smtClean="0"/>
-              <a:t>11/29/2022</a:t>
+              <a:t>1/29/2023</a:t>
             </a:fld>
             <a:endParaRPr lang="en-US" dirty="0"/>
           </a:p>
@@ -4555,7 +4555,7 @@
           <a:p>
             <a:fld id="{76CE6829-5A25-485A-91B1-5D6D58BB9F23}" type="datetime1">
               <a:rPr lang="en-US" smtClean="0"/>
-              <a:t>11/29/2022</a:t>
+              <a:t>1/29/2023</a:t>
             </a:fld>
             <a:endParaRPr lang="en-US" dirty="0"/>
           </a:p>
@@ -4732,7 +4732,7 @@
           <a:p>
             <a:fld id="{9912F5CD-23D0-4DD1-85B1-71F1825FB3EC}" type="datetime1">
               <a:rPr lang="en-US" smtClean="0"/>
-              <a:t>11/29/2022</a:t>
+              <a:t>1/29/2023</a:t>
             </a:fld>
             <a:endParaRPr lang="en-US" dirty="0"/>
           </a:p>
@@ -5065,7 +5065,7 @@
           <a:p>
             <a:fld id="{38BA5035-C284-496A-B076-BA73A8FA5D8B}" type="datetime1">
               <a:rPr lang="en-US" smtClean="0"/>
-              <a:t>11/29/2022</a:t>
+              <a:t>1/29/2023</a:t>
             </a:fld>
             <a:endParaRPr lang="en-US" dirty="0"/>
           </a:p>
@@ -5410,7 +5410,7 @@
           <a:p>
             <a:fld id="{B40EB420-1875-490A-8C4B-7AAB939FBE08}" type="datetime1">
               <a:rPr lang="en-US" smtClean="0"/>
-              <a:t>11/29/2022</a:t>
+              <a:t>1/29/2023</a:t>
             </a:fld>
             <a:endParaRPr lang="en-US" dirty="0"/>
           </a:p>
@@ -7527,7 +7527,7 @@
           <a:p>
             <a:fld id="{D9359126-4846-4E88-BDD9-5585CC877E47}" type="datetime1">
               <a:rPr lang="en-US" smtClean="0"/>
-              <a:t>11/29/2022</a:t>
+              <a:t>1/29/2023</a:t>
             </a:fld>
             <a:endParaRPr lang="en-US" dirty="0"/>
           </a:p>
@@ -8169,6 +8169,283 @@
           </a:p>
         </p:txBody>
       </p:sp>
+      <p:sp>
+        <p:nvSpPr>
+          <p:cNvPr id="5" name="Subtitle 3"/>
+          <p:cNvSpPr txBox="1">
+            <a:spLocks/>
+          </p:cNvSpPr>
+          <p:nvPr/>
+        </p:nvSpPr>
+        <p:spPr>
+          <a:xfrm>
+            <a:off x="7785735" y="5707719"/>
+            <a:ext cx="4668626" cy="1126283"/>
+          </a:xfrm>
+          <a:prstGeom prst="rect">
+            <a:avLst/>
+          </a:prstGeom>
+        </p:spPr>
+        <p:txBody>
+          <a:bodyPr vert="horz" lIns="91440" tIns="45720" rIns="91440" bIns="45720" rtlCol="0" anchor="t">
+            <a:normAutofit/>
+          </a:bodyPr>
+          <a:lstStyle>
+            <a:lvl1pPr marL="0" indent="0" algn="l" defTabSz="457200" rtl="0" eaLnBrk="1" latinLnBrk="0" hangingPunct="1">
+              <a:spcBef>
+                <a:spcPts val="1000"/>
+              </a:spcBef>
+              <a:spcAft>
+                <a:spcPts val="0"/>
+              </a:spcAft>
+              <a:buClr>
+                <a:schemeClr val="accent1"/>
+              </a:buClr>
+              <a:buFont typeface="Wingdings 3" charset="2"/>
+              <a:buNone/>
+              <a:defRPr sz="1800" kern="1200">
+                <a:solidFill>
+                  <a:schemeClr val="tx1">
+                    <a:lumMod val="65000"/>
+                    <a:lumOff val="35000"/>
+                  </a:schemeClr>
+                </a:solidFill>
+                <a:latin typeface="+mn-lt"/>
+                <a:ea typeface="+mn-ea"/>
+                <a:cs typeface="+mn-cs"/>
+              </a:defRPr>
+            </a:lvl1pPr>
+            <a:lvl2pPr marL="457200" indent="0" algn="ctr" defTabSz="457200" rtl="0" eaLnBrk="1" latinLnBrk="0" hangingPunct="1">
+              <a:spcBef>
+                <a:spcPts val="1000"/>
+              </a:spcBef>
+              <a:spcAft>
+                <a:spcPts val="0"/>
+              </a:spcAft>
+              <a:buClr>
+                <a:schemeClr val="accent1"/>
+              </a:buClr>
+              <a:buFont typeface="Wingdings 3" charset="2"/>
+              <a:buNone/>
+              <a:defRPr sz="1600" kern="1200">
+                <a:solidFill>
+                  <a:schemeClr val="tx1">
+                    <a:tint val="75000"/>
+                  </a:schemeClr>
+                </a:solidFill>
+                <a:latin typeface="+mn-lt"/>
+                <a:ea typeface="+mn-ea"/>
+                <a:cs typeface="+mn-cs"/>
+              </a:defRPr>
+            </a:lvl2pPr>
+            <a:lvl3pPr marL="914400" indent="0" algn="ctr" defTabSz="457200" rtl="0" eaLnBrk="1" latinLnBrk="0" hangingPunct="1">
+              <a:spcBef>
+                <a:spcPts val="1000"/>
+              </a:spcBef>
+              <a:spcAft>
+                <a:spcPts val="0"/>
+              </a:spcAft>
+              <a:buClr>
+                <a:schemeClr val="accent1"/>
+              </a:buClr>
+              <a:buFont typeface="Wingdings 3" charset="2"/>
+              <a:buNone/>
+              <a:defRPr sz="1400" kern="1200">
+                <a:solidFill>
+                  <a:schemeClr val="tx1">
+                    <a:tint val="75000"/>
+                  </a:schemeClr>
+                </a:solidFill>
+                <a:latin typeface="+mn-lt"/>
+                <a:ea typeface="+mn-ea"/>
+                <a:cs typeface="+mn-cs"/>
+              </a:defRPr>
+            </a:lvl3pPr>
+            <a:lvl4pPr marL="1371600" indent="0" algn="ctr" defTabSz="457200" rtl="0" eaLnBrk="1" latinLnBrk="0" hangingPunct="1">
+              <a:spcBef>
+                <a:spcPts val="1000"/>
+              </a:spcBef>
+              <a:spcAft>
+                <a:spcPts val="0"/>
+              </a:spcAft>
+              <a:buClr>
+                <a:schemeClr val="accent1"/>
+              </a:buClr>
+              <a:buFont typeface="Wingdings 3" charset="2"/>
+              <a:buNone/>
+              <a:defRPr sz="1200" kern="1200">
+                <a:solidFill>
+                  <a:schemeClr val="tx1">
+                    <a:tint val="75000"/>
+                  </a:schemeClr>
+                </a:solidFill>
+                <a:latin typeface="+mn-lt"/>
+                <a:ea typeface="+mn-ea"/>
+                <a:cs typeface="+mn-cs"/>
+              </a:defRPr>
+            </a:lvl4pPr>
+            <a:lvl5pPr marL="1828800" indent="0" algn="ctr" defTabSz="457200" rtl="0" eaLnBrk="1" latinLnBrk="0" hangingPunct="1">
+              <a:spcBef>
+                <a:spcPts val="1000"/>
+              </a:spcBef>
+              <a:spcAft>
+                <a:spcPts val="0"/>
+              </a:spcAft>
+              <a:buClr>
+                <a:schemeClr val="accent1"/>
+              </a:buClr>
+              <a:buFont typeface="Wingdings 3" charset="2"/>
+              <a:buNone/>
+              <a:defRPr sz="1200" kern="1200">
+                <a:solidFill>
+                  <a:schemeClr val="tx1">
+                    <a:tint val="75000"/>
+                  </a:schemeClr>
+                </a:solidFill>
+                <a:latin typeface="+mn-lt"/>
+                <a:ea typeface="+mn-ea"/>
+                <a:cs typeface="+mn-cs"/>
+              </a:defRPr>
+            </a:lvl5pPr>
+            <a:lvl6pPr marL="2286000" indent="0" algn="ctr" defTabSz="457200" rtl="0" eaLnBrk="1" latinLnBrk="0" hangingPunct="1">
+              <a:spcBef>
+                <a:spcPts val="1000"/>
+              </a:spcBef>
+              <a:spcAft>
+                <a:spcPts val="0"/>
+              </a:spcAft>
+              <a:buClr>
+                <a:schemeClr val="accent1"/>
+              </a:buClr>
+              <a:buFont typeface="Wingdings 3" charset="2"/>
+              <a:buNone/>
+              <a:defRPr sz="1200" kern="1200">
+                <a:solidFill>
+                  <a:schemeClr val="tx1">
+                    <a:tint val="75000"/>
+                  </a:schemeClr>
+                </a:solidFill>
+                <a:latin typeface="+mn-lt"/>
+                <a:ea typeface="+mn-ea"/>
+                <a:cs typeface="+mn-cs"/>
+              </a:defRPr>
+            </a:lvl6pPr>
+            <a:lvl7pPr marL="2743200" indent="0" algn="ctr" defTabSz="457200" rtl="0" eaLnBrk="1" latinLnBrk="0" hangingPunct="1">
+              <a:spcBef>
+                <a:spcPts val="1000"/>
+              </a:spcBef>
+              <a:spcAft>
+                <a:spcPts val="0"/>
+              </a:spcAft>
+              <a:buClr>
+                <a:schemeClr val="accent1"/>
+              </a:buClr>
+              <a:buFont typeface="Wingdings 3" charset="2"/>
+              <a:buNone/>
+              <a:defRPr sz="1200" kern="1200">
+                <a:solidFill>
+                  <a:schemeClr val="tx1">
+                    <a:tint val="75000"/>
+                  </a:schemeClr>
+                </a:solidFill>
+                <a:latin typeface="+mn-lt"/>
+                <a:ea typeface="+mn-ea"/>
+                <a:cs typeface="+mn-cs"/>
+              </a:defRPr>
+            </a:lvl7pPr>
+            <a:lvl8pPr marL="3200400" indent="0" algn="ctr" defTabSz="457200" rtl="0" eaLnBrk="1" latinLnBrk="0" hangingPunct="1">
+              <a:spcBef>
+                <a:spcPts val="1000"/>
+              </a:spcBef>
+              <a:spcAft>
+                <a:spcPts val="0"/>
+              </a:spcAft>
+              <a:buClr>
+                <a:schemeClr val="accent1"/>
+              </a:buClr>
+              <a:buFont typeface="Wingdings 3" charset="2"/>
+              <a:buNone/>
+              <a:defRPr sz="1200" kern="1200">
+                <a:solidFill>
+                  <a:schemeClr val="tx1">
+                    <a:tint val="75000"/>
+                  </a:schemeClr>
+                </a:solidFill>
+                <a:latin typeface="+mn-lt"/>
+                <a:ea typeface="+mn-ea"/>
+                <a:cs typeface="+mn-cs"/>
+              </a:defRPr>
+            </a:lvl8pPr>
+            <a:lvl9pPr marL="3657600" indent="0" algn="ctr" defTabSz="457200" rtl="0" eaLnBrk="1" latinLnBrk="0" hangingPunct="1">
+              <a:spcBef>
+                <a:spcPts val="1000"/>
+              </a:spcBef>
+              <a:spcAft>
+                <a:spcPts val="0"/>
+              </a:spcAft>
+              <a:buClr>
+                <a:schemeClr val="accent1"/>
+              </a:buClr>
+              <a:buFont typeface="Wingdings 3" charset="2"/>
+              <a:buNone/>
+              <a:defRPr sz="1200" kern="1200">
+                <a:solidFill>
+                  <a:schemeClr val="tx1">
+                    <a:tint val="75000"/>
+                  </a:schemeClr>
+                </a:solidFill>
+                <a:latin typeface="+mn-lt"/>
+                <a:ea typeface="+mn-ea"/>
+                <a:cs typeface="+mn-cs"/>
+              </a:defRPr>
+            </a:lvl9pPr>
+          </a:lstStyle>
+          <a:p>
+            <a:r>
+              <a:rPr lang="en-US" sz="2800" b="1" dirty="0" smtClean="0">
+                <a:solidFill>
+                  <a:schemeClr val="tx1"/>
+                </a:solidFill>
+                <a:latin typeface="Times New Roman" panose="02020603050405020304" pitchFamily="18" charset="0"/>
+                <a:cs typeface="Times New Roman" panose="02020603050405020304" pitchFamily="18" charset="0"/>
+              </a:rPr>
+              <a:t>Instructor : </a:t>
+            </a:r>
+            <a:r>
+              <a:rPr lang="en-US" sz="2800" dirty="0" smtClean="0">
+                <a:solidFill>
+                  <a:schemeClr val="tx1"/>
+                </a:solidFill>
+                <a:latin typeface="Times New Roman" panose="02020603050405020304" pitchFamily="18" charset="0"/>
+                <a:cs typeface="Times New Roman" panose="02020603050405020304" pitchFamily="18" charset="0"/>
+              </a:rPr>
+              <a:t>Umair Azmat</a:t>
+            </a:r>
+          </a:p>
+          <a:p>
+            <a:r>
+              <a:rPr lang="en-US" sz="2800" b="1" dirty="0" smtClean="0">
+                <a:solidFill>
+                  <a:schemeClr val="tx1"/>
+                </a:solidFill>
+                <a:latin typeface="Times New Roman" panose="02020603050405020304" pitchFamily="18" charset="0"/>
+                <a:cs typeface="Times New Roman" panose="02020603050405020304" pitchFamily="18" charset="0"/>
+              </a:rPr>
+              <a:t>WhatsApp : </a:t>
+            </a:r>
+            <a:r>
+              <a:rPr lang="en-US" sz="2800" dirty="0" smtClean="0">
+                <a:solidFill>
+                  <a:schemeClr val="tx1"/>
+                </a:solidFill>
+                <a:latin typeface="Times New Roman" panose="02020603050405020304" pitchFamily="18" charset="0"/>
+                <a:cs typeface="Times New Roman" panose="02020603050405020304" pitchFamily="18" charset="0"/>
+              </a:rPr>
+              <a:t>+923217061116</a:t>
+            </a:r>
+          </a:p>
+        </p:txBody>
+      </p:sp>
     </p:spTree>
     <p:extLst>
       <p:ext uri="{BB962C8B-B14F-4D97-AF65-F5344CB8AC3E}">
@@ -8658,6 +8935,14 @@
             <a:pPr marL="0" indent="0">
               <a:buNone/>
             </a:pPr>
+            <a:r>
+              <a:rPr lang="en-US" sz="2400" dirty="0">
+                <a:solidFill>
+                  <a:schemeClr val="accent1"/>
+                </a:solidFill>
+              </a:rPr>
+              <a:t/>
+            </a:r>
             <a:br>
               <a:rPr lang="en-US" sz="2400" dirty="0">
                 <a:solidFill>
@@ -8676,10 +8961,18 @@
                 </a:solidFill>
               </a:rPr>
               <a:t>&lt;body&gt;</a:t>
+            </a:r>
+            <a:r>
+              <a:rPr lang="en-US" sz="2400" dirty="0"/>
+              <a:t/>
             </a:r>
             <a:br>
               <a:rPr lang="en-US" sz="2400" dirty="0"/>
             </a:br>
+            <a:r>
+              <a:rPr lang="en-US" sz="2400" dirty="0"/>
+              <a:t/>
+            </a:r>
             <a:br>
               <a:rPr lang="en-US" sz="2400" dirty="0"/>
             </a:br>
@@ -8715,6 +9008,10 @@
               </a:rPr>
               <a:t>&lt;/h1&gt;</a:t>
             </a:r>
+            <a:r>
+              <a:rPr lang="en-US" sz="2400" dirty="0"/>
+              <a:t/>
+            </a:r>
             <a:br>
               <a:rPr lang="en-US" sz="2400" dirty="0"/>
             </a:br>
@@ -8738,9 +9035,17 @@
               </a:rPr>
               <a:t> &lt;/p&gt;</a:t>
             </a:r>
+            <a:r>
+              <a:rPr lang="en-US" sz="2400" dirty="0"/>
+              <a:t/>
+            </a:r>
             <a:br>
               <a:rPr lang="en-US" sz="2400" dirty="0"/>
             </a:br>
+            <a:r>
+              <a:rPr lang="en-US" sz="2400" dirty="0"/>
+              <a:t/>
+            </a:r>
             <a:br>
               <a:rPr lang="en-US" sz="2400" dirty="0"/>
             </a:br>
@@ -8761,6 +9066,10 @@
             <a:pPr marL="0" indent="0">
               <a:buNone/>
             </a:pPr>
+            <a:r>
+              <a:rPr lang="en-US" sz="2400" dirty="0"/>
+              <a:t/>
+            </a:r>
             <a:br>
               <a:rPr lang="en-US" sz="2400" dirty="0"/>
             </a:br>
@@ -10487,23 +10796,6 @@
 </file>
 
 <file path=customXml/item1.xml><?xml version="1.0" encoding="utf-8"?>
-<?mso-contentType ?>
-<FormTemplates xmlns="http://schemas.microsoft.com/sharepoint/v3/contenttype/forms">
-  <Display>DocumentLibraryForm</Display>
-  <Edit>DocumentLibraryForm</Edit>
-  <New>DocumentLibraryForm</New>
-</FormTemplates>
-</file>
-
-<file path=customXml/item2.xml><?xml version="1.0" encoding="utf-8"?>
-<p:properties xmlns:p="http://schemas.microsoft.com/office/2006/metadata/properties" xmlns:xsi="http://www.w3.org/2001/XMLSchema-instance" xmlns:pc="http://schemas.microsoft.com/office/infopath/2007/PartnerControls">
-  <documentManagement>
-    <MediaServiceKeyPoints xmlns="71af3243-3dd4-4a8d-8c0d-dd76da1f02a5" xsi:nil="true"/>
-  </documentManagement>
-</p:properties>
-</file>
-
-<file path=customXml/item3.xml><?xml version="1.0" encoding="utf-8"?>
 <ct:contentTypeSchema xmlns:ct="http://schemas.microsoft.com/office/2006/metadata/contentType" xmlns:ma="http://schemas.microsoft.com/office/2006/metadata/properties/metaAttributes" ct:_="" ma:_="" ma:contentTypeName="Document" ma:contentTypeID="0x01010079F111ED35F8CC479449609E8A0923A6" ma:contentTypeVersion="11" ma:contentTypeDescription="Create a new document." ma:contentTypeScope="" ma:versionID="9677210f24a1be23c92c90fd886aa0aa">
   <xsd:schema xmlns:xsd="http://www.w3.org/2001/XMLSchema" xmlns:xs="http://www.w3.org/2001/XMLSchema" xmlns:p="http://schemas.microsoft.com/office/2006/metadata/properties" xmlns:ns2="71af3243-3dd4-4a8d-8c0d-dd76da1f02a5" xmlns:ns3="16c05727-aa75-4e4a-9b5f-8a80a1165891" targetNamespace="http://schemas.microsoft.com/office/2006/metadata/properties" ma:root="true" ma:fieldsID="60e05723c5c1908df1a1a4ebf11d344e" ns2:_="" ns3:_="">
     <xsd:import namespace="71af3243-3dd4-4a8d-8c0d-dd76da1f02a5"/>
@@ -10714,25 +11006,24 @@
 </ct:contentTypeSchema>
 </file>
 
-<file path=customXml/itemProps1.xml><?xml version="1.0" encoding="utf-8"?>
-<ds:datastoreItem xmlns:ds="http://schemas.openxmlformats.org/officeDocument/2006/customXml" ds:itemID="{10BEB954-4024-4CCF-A9D6-4C00FDC028D9}">
-  <ds:schemaRefs>
-    <ds:schemaRef ds:uri="http://schemas.microsoft.com/sharepoint/v3/contenttype/forms"/>
-  </ds:schemaRefs>
-</ds:datastoreItem>
+<file path=customXml/item2.xml><?xml version="1.0" encoding="utf-8"?>
+<p:properties xmlns:p="http://schemas.microsoft.com/office/2006/metadata/properties" xmlns:xsi="http://www.w3.org/2001/XMLSchema-instance" xmlns:pc="http://schemas.microsoft.com/office/infopath/2007/PartnerControls">
+  <documentManagement>
+    <MediaServiceKeyPoints xmlns="71af3243-3dd4-4a8d-8c0d-dd76da1f02a5" xsi:nil="true"/>
+  </documentManagement>
+</p:properties>
 </file>
 
-<file path=customXml/itemProps2.xml><?xml version="1.0" encoding="utf-8"?>
-<ds:datastoreItem xmlns:ds="http://schemas.openxmlformats.org/officeDocument/2006/customXml" ds:itemID="{4710EE66-8707-456F-8F2E-091D581CB030}">
-  <ds:schemaRefs>
-    <ds:schemaRef ds:uri="http://schemas.microsoft.com/office/2006/metadata/properties"/>
-    <ds:schemaRef ds:uri="http://schemas.microsoft.com/office/infopath/2007/PartnerControls"/>
-    <ds:schemaRef ds:uri="71af3243-3dd4-4a8d-8c0d-dd76da1f02a5"/>
-  </ds:schemaRefs>
-</ds:datastoreItem>
+<file path=customXml/item3.xml><?xml version="1.0" encoding="utf-8"?>
+<?mso-contentType ?>
+<FormTemplates xmlns="http://schemas.microsoft.com/sharepoint/v3/contenttype/forms">
+  <Display>DocumentLibraryForm</Display>
+  <Edit>DocumentLibraryForm</Edit>
+  <New>DocumentLibraryForm</New>
+</FormTemplates>
 </file>
 
-<file path=customXml/itemProps3.xml><?xml version="1.0" encoding="utf-8"?>
+<file path=customXml/itemProps1.xml><?xml version="1.0" encoding="utf-8"?>
 <ds:datastoreItem xmlns:ds="http://schemas.openxmlformats.org/officeDocument/2006/customXml" ds:itemID="{AB96CC85-5758-41C0-8EFD-737AFB69121D}">
   <ds:schemaRefs>
     <ds:schemaRef ds:uri="http://schemas.microsoft.com/office/2006/metadata/contentType"/>
@@ -10749,4 +11040,22 @@
     <ds:schemaRef ds:uri="http://schemas.microsoft.com/internal/obd"/>
   </ds:schemaRefs>
 </ds:datastoreItem>
+</file>
+
+<file path=customXml/itemProps2.xml><?xml version="1.0" encoding="utf-8"?>
+<ds:datastoreItem xmlns:ds="http://schemas.openxmlformats.org/officeDocument/2006/customXml" ds:itemID="{4710EE66-8707-456F-8F2E-091D581CB030}">
+  <ds:schemaRefs>
+    <ds:schemaRef ds:uri="http://schemas.microsoft.com/office/2006/metadata/properties"/>
+    <ds:schemaRef ds:uri="http://schemas.microsoft.com/office/infopath/2007/PartnerControls"/>
+    <ds:schemaRef ds:uri="71af3243-3dd4-4a8d-8c0d-dd76da1f02a5"/>
+  </ds:schemaRefs>
+</ds:datastoreItem>
+</file>
+
+<file path=customXml/itemProps3.xml><?xml version="1.0" encoding="utf-8"?>
+<ds:datastoreItem xmlns:ds="http://schemas.openxmlformats.org/officeDocument/2006/customXml" ds:itemID="{10BEB954-4024-4CCF-A9D6-4C00FDC028D9}">
+  <ds:schemaRefs>
+    <ds:schemaRef ds:uri="http://schemas.microsoft.com/sharepoint/v3/contenttype/forms"/>
+  </ds:schemaRefs>
+</ds:datastoreItem>
 </file>